--- a/宣道詩/(宣道詩29)耶穌比全世界更寶.pptx
+++ b/宣道詩/(宣道詩29)耶穌比全世界更寶.pptx
@@ -5,10 +5,23 @@
     <p:sldMasterId id="2147483660" r:id="rId1"/>
   </p:sldMasterIdLst>
   <p:sldIdLst>
-    <p:sldId id="257" r:id="rId2"/>
-    <p:sldId id="258" r:id="rId3"/>
-    <p:sldId id="259" r:id="rId4"/>
-    <p:sldId id="260" r:id="rId5"/>
+    <p:sldId id="261" r:id="rId2"/>
+    <p:sldId id="262" r:id="rId3"/>
+    <p:sldId id="263" r:id="rId4"/>
+    <p:sldId id="264" r:id="rId5"/>
+    <p:sldId id="265" r:id="rId6"/>
+    <p:sldId id="266" r:id="rId7"/>
+    <p:sldId id="267" r:id="rId8"/>
+    <p:sldId id="268" r:id="rId9"/>
+    <p:sldId id="269" r:id="rId10"/>
+    <p:sldId id="270" r:id="rId11"/>
+    <p:sldId id="271" r:id="rId12"/>
+    <p:sldId id="272" r:id="rId13"/>
+    <p:sldId id="273" r:id="rId14"/>
+    <p:sldId id="274" r:id="rId15"/>
+    <p:sldId id="275" r:id="rId16"/>
+    <p:sldId id="276" r:id="rId17"/>
+    <p:sldId id="277" r:id="rId18"/>
   </p:sldIdLst>
   <p:sldSz cx="12192000" cy="6858000"/>
   <p:notesSz cx="6858000" cy="9144000"/>
@@ -107,6 +120,11 @@
       </a:defRPr>
     </a:lvl9pPr>
   </p:defaultTextStyle>
+  <p:extLst>
+    <p:ext uri="{EFAFB233-063F-42B5-8137-9DF3F51BA10A}">
+      <p15:sldGuideLst xmlns:p15="http://schemas.microsoft.com/office/powerpoint/2012/main"/>
+    </p:ext>
+  </p:extLst>
 </p:presentation>
 </file>
 
@@ -291,7 +309,7 @@
           <a:p>
             <a:fld id="{2BB81E7C-1C0A-431A-93C1-9EFE153916B3}" type="datetimeFigureOut">
               <a:rPr lang="vi-VN" smtClean="0"/>
-              <a:t>03/09/2020</a:t>
+              <a:t>07/09/2021</a:t>
             </a:fld>
             <a:endParaRPr lang="vi-VN"/>
           </a:p>
@@ -461,7 +479,7 @@
           <a:p>
             <a:fld id="{2BB81E7C-1C0A-431A-93C1-9EFE153916B3}" type="datetimeFigureOut">
               <a:rPr lang="vi-VN" smtClean="0"/>
-              <a:t>03/09/2020</a:t>
+              <a:t>07/09/2021</a:t>
             </a:fld>
             <a:endParaRPr lang="vi-VN"/>
           </a:p>
@@ -641,7 +659,7 @@
           <a:p>
             <a:fld id="{2BB81E7C-1C0A-431A-93C1-9EFE153916B3}" type="datetimeFigureOut">
               <a:rPr lang="vi-VN" smtClean="0"/>
-              <a:t>03/09/2020</a:t>
+              <a:t>07/09/2021</a:t>
             </a:fld>
             <a:endParaRPr lang="vi-VN"/>
           </a:p>
@@ -811,7 +829,7 @@
           <a:p>
             <a:fld id="{2BB81E7C-1C0A-431A-93C1-9EFE153916B3}" type="datetimeFigureOut">
               <a:rPr lang="vi-VN" smtClean="0"/>
-              <a:t>03/09/2020</a:t>
+              <a:t>07/09/2021</a:t>
             </a:fld>
             <a:endParaRPr lang="vi-VN"/>
           </a:p>
@@ -1057,7 +1075,7 @@
           <a:p>
             <a:fld id="{2BB81E7C-1C0A-431A-93C1-9EFE153916B3}" type="datetimeFigureOut">
               <a:rPr lang="vi-VN" smtClean="0"/>
-              <a:t>03/09/2020</a:t>
+              <a:t>07/09/2021</a:t>
             </a:fld>
             <a:endParaRPr lang="vi-VN"/>
           </a:p>
@@ -1345,7 +1363,7 @@
           <a:p>
             <a:fld id="{2BB81E7C-1C0A-431A-93C1-9EFE153916B3}" type="datetimeFigureOut">
               <a:rPr lang="vi-VN" smtClean="0"/>
-              <a:t>03/09/2020</a:t>
+              <a:t>07/09/2021</a:t>
             </a:fld>
             <a:endParaRPr lang="vi-VN"/>
           </a:p>
@@ -1767,7 +1785,7 @@
           <a:p>
             <a:fld id="{2BB81E7C-1C0A-431A-93C1-9EFE153916B3}" type="datetimeFigureOut">
               <a:rPr lang="vi-VN" smtClean="0"/>
-              <a:t>03/09/2020</a:t>
+              <a:t>07/09/2021</a:t>
             </a:fld>
             <a:endParaRPr lang="vi-VN"/>
           </a:p>
@@ -1885,7 +1903,7 @@
           <a:p>
             <a:fld id="{2BB81E7C-1C0A-431A-93C1-9EFE153916B3}" type="datetimeFigureOut">
               <a:rPr lang="vi-VN" smtClean="0"/>
-              <a:t>03/09/2020</a:t>
+              <a:t>07/09/2021</a:t>
             </a:fld>
             <a:endParaRPr lang="vi-VN"/>
           </a:p>
@@ -1980,7 +1998,7 @@
           <a:p>
             <a:fld id="{2BB81E7C-1C0A-431A-93C1-9EFE153916B3}" type="datetimeFigureOut">
               <a:rPr lang="vi-VN" smtClean="0"/>
-              <a:t>03/09/2020</a:t>
+              <a:t>07/09/2021</a:t>
             </a:fld>
             <a:endParaRPr lang="vi-VN"/>
           </a:p>
@@ -2257,7 +2275,7 @@
           <a:p>
             <a:fld id="{2BB81E7C-1C0A-431A-93C1-9EFE153916B3}" type="datetimeFigureOut">
               <a:rPr lang="vi-VN" smtClean="0"/>
-              <a:t>03/09/2020</a:t>
+              <a:t>07/09/2021</a:t>
             </a:fld>
             <a:endParaRPr lang="vi-VN"/>
           </a:p>
@@ -2514,7 +2532,7 @@
           <a:p>
             <a:fld id="{2BB81E7C-1C0A-431A-93C1-9EFE153916B3}" type="datetimeFigureOut">
               <a:rPr lang="vi-VN" smtClean="0"/>
-              <a:t>03/09/2020</a:t>
+              <a:t>07/09/2021</a:t>
             </a:fld>
             <a:endParaRPr lang="vi-VN"/>
           </a:p>
@@ -2732,7 +2750,7 @@
           <a:p>
             <a:fld id="{2BB81E7C-1C0A-431A-93C1-9EFE153916B3}" type="datetimeFigureOut">
               <a:rPr lang="vi-VN" smtClean="0"/>
-              <a:t>03/09/2020</a:t>
+              <a:t>07/09/2021</a:t>
             </a:fld>
             <a:endParaRPr lang="vi-VN"/>
           </a:p>
@@ -3109,7 +3127,7 @@
       </p:grpSpPr>
       <p:sp>
         <p:nvSpPr>
-          <p:cNvPr id="2" name="Title 1"/>
+          <p:cNvPr id="4" name="標題 3"/>
           <p:cNvSpPr>
             <a:spLocks noGrp="1"/>
           </p:cNvSpPr>
@@ -3117,80 +3135,211 @@
             <p:ph type="title"/>
           </p:nvPr>
         </p:nvSpPr>
-        <p:spPr/>
+        <p:spPr>
+          <a:xfrm>
+            <a:off x="0" y="2660915"/>
+            <a:ext cx="12192000" cy="1143000"/>
+          </a:xfrm>
+        </p:spPr>
         <p:txBody>
           <a:bodyPr>
+            <a:noAutofit/>
+          </a:bodyPr>
+          <a:lstStyle/>
+          <a:p>
+            <a:r>
+              <a:rPr lang="zh-CN" altLang="en-US" sz="5333" b="1" u="sng" dirty="0">
+                <a:solidFill>
+                  <a:srgbClr val="660033"/>
+                </a:solidFill>
+                <a:effectLst>
+                  <a:outerShdw blurRad="38100" dist="38100" dir="2700000" algn="tl">
+                    <a:srgbClr val="000000">
+                      <a:alpha val="43137"/>
+                    </a:srgbClr>
+                  </a:outerShdw>
+                </a:effectLst>
+                <a:latin typeface="微軟正黑體" pitchFamily="34" charset="-120"/>
+                <a:ea typeface="微軟正黑體" pitchFamily="34" charset="-120"/>
+              </a:rPr>
+              <a:t>宣道詩 </a:t>
+            </a:r>
+            <a:r>
+              <a:rPr lang="en-US" altLang="zh-CN" sz="5333" b="1" u="sng" dirty="0">
+                <a:solidFill>
+                  <a:srgbClr val="660033"/>
+                </a:solidFill>
+                <a:effectLst>
+                  <a:outerShdw blurRad="38100" dist="38100" dir="2700000" algn="tl">
+                    <a:srgbClr val="000000">
+                      <a:alpha val="43137"/>
+                    </a:srgbClr>
+                  </a:outerShdw>
+                </a:effectLst>
+                <a:latin typeface="微軟正黑體" pitchFamily="34" charset="-120"/>
+                <a:ea typeface="微軟正黑體" pitchFamily="34" charset="-120"/>
+              </a:rPr>
+              <a:t>29</a:t>
+            </a:r>
+            <a:r>
+              <a:rPr lang="en-US" altLang="zh-CN" sz="7200" b="1" i="1" dirty="0">
+                <a:solidFill>
+                  <a:srgbClr val="660033"/>
+                </a:solidFill>
+                <a:effectLst>
+                  <a:outerShdw blurRad="38100" dist="38100" dir="2700000" algn="tl">
+                    <a:srgbClr val="000000">
+                      <a:alpha val="43137"/>
+                    </a:srgbClr>
+                  </a:outerShdw>
+                </a:effectLst>
+                <a:latin typeface="微軟正黑體" pitchFamily="34" charset="-120"/>
+                <a:ea typeface="微軟正黑體" pitchFamily="34" charset="-120"/>
+              </a:rPr>
+              <a:t/>
+            </a:r>
+            <a:br>
+              <a:rPr lang="en-US" altLang="zh-CN" sz="7200" b="1" i="1" dirty="0">
+                <a:solidFill>
+                  <a:srgbClr val="660033"/>
+                </a:solidFill>
+                <a:effectLst>
+                  <a:outerShdw blurRad="38100" dist="38100" dir="2700000" algn="tl">
+                    <a:srgbClr val="000000">
+                      <a:alpha val="43137"/>
+                    </a:srgbClr>
+                  </a:outerShdw>
+                </a:effectLst>
+                <a:latin typeface="微軟正黑體" pitchFamily="34" charset="-120"/>
+                <a:ea typeface="微軟正黑體" pitchFamily="34" charset="-120"/>
+              </a:rPr>
+            </a:br>
+            <a:r>
+              <a:rPr lang="zh-CN" altLang="en-US" sz="8000" b="1" dirty="0">
+                <a:solidFill>
+                  <a:srgbClr val="000066"/>
+                </a:solidFill>
+                <a:effectLst>
+                  <a:outerShdw blurRad="38100" dist="38100" dir="2700000" algn="tl">
+                    <a:srgbClr val="000000">
+                      <a:alpha val="43137"/>
+                    </a:srgbClr>
+                  </a:outerShdw>
+                </a:effectLst>
+                <a:latin typeface="微軟正黑體" pitchFamily="34" charset="-120"/>
+                <a:ea typeface="微軟正黑體" pitchFamily="34" charset="-120"/>
+              </a:rPr>
+              <a:t>耶</a:t>
+            </a:r>
+            <a:r>
+              <a:rPr lang="zh-CN" altLang="en-US" sz="8000" b="1" dirty="0">
+                <a:solidFill>
+                  <a:srgbClr val="000066"/>
+                </a:solidFill>
+                <a:effectLst>
+                  <a:outerShdw blurRad="38100" dist="38100" dir="2700000" algn="tl">
+                    <a:srgbClr val="000000">
+                      <a:alpha val="43137"/>
+                    </a:srgbClr>
+                  </a:outerShdw>
+                </a:effectLst>
+                <a:latin typeface="微軟正黑體" pitchFamily="34" charset="-120"/>
+                <a:ea typeface="微軟正黑體" pitchFamily="34" charset="-120"/>
+              </a:rPr>
+              <a:t>穌比全世界更寶</a:t>
+            </a:r>
+            <a:endParaRPr lang="zh-TW" altLang="en-US" sz="8000" b="1" dirty="0">
+              <a:solidFill>
+                <a:srgbClr val="000066"/>
+              </a:solidFill>
+              <a:effectLst>
+                <a:outerShdw blurRad="38100" dist="38100" dir="2700000" algn="tl">
+                  <a:srgbClr val="000000">
+                    <a:alpha val="43137"/>
+                  </a:srgbClr>
+                </a:outerShdw>
+              </a:effectLst>
+              <a:latin typeface="微軟正黑體" pitchFamily="34" charset="-120"/>
+              <a:ea typeface="微軟正黑體" pitchFamily="34" charset="-120"/>
+            </a:endParaRPr>
+          </a:p>
+        </p:txBody>
+      </p:sp>
+    </p:spTree>
+    <p:extLst>
+      <p:ext uri="{BB962C8B-B14F-4D97-AF65-F5344CB8AC3E}">
+        <p14:creationId xmlns:p14="http://schemas.microsoft.com/office/powerpoint/2010/main" val="3006666335"/>
+      </p:ext>
+    </p:extLst>
+  </p:cSld>
+  <p:clrMapOvr>
+    <a:masterClrMapping/>
+  </p:clrMapOvr>
+  <p:timing>
+    <p:tnLst>
+      <p:par>
+        <p:cTn id="1" dur="indefinite" restart="never" nodeType="tmRoot"/>
+      </p:par>
+    </p:tnLst>
+  </p:timing>
+</p:sld>
+</file>
+
+<file path=ppt/slides/slide10.xml><?xml version="1.0" encoding="utf-8"?>
+<p:sld xmlns:a="http://schemas.openxmlformats.org/drawingml/2006/main" xmlns:r="http://schemas.openxmlformats.org/officeDocument/2006/relationships" xmlns:p="http://schemas.openxmlformats.org/presentationml/2006/main">
+  <p:cSld>
+    <p:spTree>
+      <p:nvGrpSpPr>
+        <p:cNvPr id="1" name=""/>
+        <p:cNvGrpSpPr/>
+        <p:nvPr/>
+      </p:nvGrpSpPr>
+      <p:grpSpPr>
+        <a:xfrm>
+          <a:off x="0" y="0"/>
+          <a:ext cx="0" cy="0"/>
+          <a:chOff x="0" y="0"/>
+          <a:chExt cx="0" cy="0"/>
+        </a:xfrm>
+      </p:grpSpPr>
+      <p:sp>
+        <p:nvSpPr>
+          <p:cNvPr id="5" name="內容版面配置區 4"/>
+          <p:cNvSpPr>
+            <a:spLocks noGrp="1"/>
+          </p:cNvSpPr>
+          <p:nvPr>
+            <p:ph idx="1"/>
+          </p:nvPr>
+        </p:nvSpPr>
+        <p:spPr>
+          <a:xfrm>
+            <a:off x="0" y="2084853"/>
+            <a:ext cx="12192000" cy="2404863"/>
+          </a:xfrm>
+        </p:spPr>
+        <p:txBody>
+          <a:bodyPr anchor="ctr">
             <a:normAutofit/>
           </a:bodyPr>
           <a:lstStyle/>
           <a:p>
-            <a:r>
-              <a:rPr lang="zh-CN" altLang="en-US" sz="4800" b="1" dirty="0" smtClean="0">
-                <a:solidFill>
-                  <a:srgbClr val="002060"/>
+            <a:pPr marL="0" indent="0" algn="ctr">
+              <a:buNone/>
+            </a:pPr>
+            <a:r>
+              <a:rPr lang="zh-CN" altLang="en-US" sz="6400" b="1" dirty="0">
+                <a:solidFill>
+                  <a:srgbClr val="000066"/>
                 </a:solidFill>
                 <a:latin typeface="Microsoft JhengHei" panose="020B0604030504040204" pitchFamily="34" charset="-120"/>
                 <a:ea typeface="Microsoft JhengHei" panose="020B0604030504040204" pitchFamily="34" charset="-120"/>
               </a:rPr>
               <a:t>耶穌比全世界更寶</a:t>
             </a:r>
-            <a:endParaRPr lang="vi-VN" sz="4800" b="1" dirty="0">
+            <a:endParaRPr lang="en-US" altLang="zh-CN" sz="6400" b="1" dirty="0">
               <a:solidFill>
-                <a:srgbClr val="002060"/>
-              </a:solidFill>
-              <a:ea typeface="Microsoft JhengHei" panose="020B0604030504040204" pitchFamily="34" charset="-120"/>
-            </a:endParaRPr>
-          </a:p>
-        </p:txBody>
-      </p:sp>
-      <p:sp>
-        <p:nvSpPr>
-          <p:cNvPr id="3" name="Content Placeholder 2"/>
-          <p:cNvSpPr>
-            <a:spLocks noGrp="1"/>
-          </p:cNvSpPr>
-          <p:nvPr>
-            <p:ph idx="1"/>
-          </p:nvPr>
-        </p:nvSpPr>
-        <p:spPr>
-          <a:xfrm>
-            <a:off x="0" y="1600201"/>
-            <a:ext cx="12192000" cy="5257799"/>
-          </a:xfrm>
-        </p:spPr>
-        <p:txBody>
-          <a:bodyPr>
-            <a:normAutofit/>
-          </a:bodyPr>
-          <a:lstStyle/>
-          <a:p>
-            <a:pPr marL="0" indent="0" algn="ctr">
-              <a:buNone/>
-            </a:pPr>
-            <a:r>
-              <a:rPr lang="zh-CN" altLang="en-US" sz="5400" b="1" dirty="0">
-                <a:solidFill>
-                  <a:srgbClr val="002060"/>
-                </a:solidFill>
-                <a:latin typeface="Microsoft JhengHei" panose="020B0604030504040204" pitchFamily="34" charset="-120"/>
-                <a:ea typeface="Microsoft JhengHei" panose="020B0604030504040204" pitchFamily="34" charset="-120"/>
-              </a:rPr>
-              <a:t>耶穌比全世界更</a:t>
-            </a:r>
-            <a:r>
-              <a:rPr lang="zh-CN" altLang="en-US" sz="5400" b="1" dirty="0" smtClean="0">
-                <a:solidFill>
-                  <a:srgbClr val="002060"/>
-                </a:solidFill>
-                <a:latin typeface="Microsoft JhengHei" panose="020B0604030504040204" pitchFamily="34" charset="-120"/>
-                <a:ea typeface="Microsoft JhengHei" panose="020B0604030504040204" pitchFamily="34" charset="-120"/>
-              </a:rPr>
-              <a:t>寶  生命喜樂榮耀</a:t>
-            </a:r>
-            <a:endParaRPr lang="en-US" altLang="zh-CN" sz="5400" b="1" dirty="0" smtClean="0">
-              <a:solidFill>
-                <a:srgbClr val="002060"/>
+                <a:srgbClr val="000066"/>
               </a:solidFill>
               <a:latin typeface="Microsoft JhengHei" panose="020B0604030504040204" pitchFamily="34" charset="-120"/>
               <a:ea typeface="Microsoft JhengHei" panose="020B0604030504040204" pitchFamily="34" charset="-120"/>
@@ -3201,140 +3350,35 @@
               <a:buNone/>
             </a:pPr>
             <a:r>
-              <a:rPr lang="zh-CN" altLang="en-US" sz="5400" b="1" dirty="0" smtClean="0">
-                <a:solidFill>
-                  <a:srgbClr val="002060"/>
+              <a:rPr lang="zh-CN" altLang="en-US" sz="6400" b="1" dirty="0">
+                <a:solidFill>
+                  <a:srgbClr val="000066"/>
                 </a:solidFill>
                 <a:latin typeface="Microsoft JhengHei" panose="020B0604030504040204" pitchFamily="34" charset="-120"/>
                 <a:ea typeface="Microsoft JhengHei" panose="020B0604030504040204" pitchFamily="34" charset="-120"/>
               </a:rPr>
-              <a:t>主是我的隨時力量  離主我必跌倒</a:t>
-            </a:r>
-            <a:endParaRPr lang="en-US" altLang="zh-CN" sz="5400" b="1" dirty="0" smtClean="0">
+              <a:t>我要忠誠待主</a:t>
+            </a:r>
+            <a:endParaRPr lang="en-US" altLang="zh-CN" sz="6400" b="1" dirty="0">
               <a:solidFill>
-                <a:srgbClr val="002060"/>
+                <a:srgbClr val="000066"/>
               </a:solidFill>
               <a:latin typeface="Microsoft JhengHei" panose="020B0604030504040204" pitchFamily="34" charset="-120"/>
               <a:ea typeface="Microsoft JhengHei" panose="020B0604030504040204" pitchFamily="34" charset="-120"/>
             </a:endParaRPr>
           </a:p>
-          <a:p>
-            <a:pPr marL="0" indent="0" algn="ctr">
-              <a:buNone/>
-            </a:pPr>
-            <a:r>
-              <a:rPr lang="zh-CN" altLang="en-US" sz="5400" b="1" dirty="0">
-                <a:solidFill>
-                  <a:srgbClr val="002060"/>
-                </a:solidFill>
-                <a:latin typeface="Microsoft JhengHei" panose="020B0604030504040204" pitchFamily="34" charset="-120"/>
-                <a:ea typeface="Microsoft JhengHei" panose="020B0604030504040204" pitchFamily="34" charset="-120"/>
-              </a:rPr>
-              <a:t>當我受苦來就耶</a:t>
-            </a:r>
-            <a:r>
-              <a:rPr lang="zh-CN" altLang="en-US" sz="5400" b="1" dirty="0" smtClean="0">
-                <a:solidFill>
-                  <a:srgbClr val="002060"/>
-                </a:solidFill>
-                <a:latin typeface="Microsoft JhengHei" panose="020B0604030504040204" pitchFamily="34" charset="-120"/>
-                <a:ea typeface="Microsoft JhengHei" panose="020B0604030504040204" pitchFamily="34" charset="-120"/>
-              </a:rPr>
-              <a:t>穌</a:t>
-            </a:r>
-            <a:endParaRPr lang="en-US" altLang="zh-CN" sz="5400" b="1" dirty="0" smtClean="0">
-              <a:solidFill>
-                <a:srgbClr val="002060"/>
-              </a:solidFill>
-              <a:latin typeface="Microsoft JhengHei" panose="020B0604030504040204" pitchFamily="34" charset="-120"/>
-              <a:ea typeface="Microsoft JhengHei" panose="020B0604030504040204" pitchFamily="34" charset="-120"/>
-            </a:endParaRPr>
-          </a:p>
-          <a:p>
-            <a:pPr marL="0" indent="0" algn="ctr">
-              <a:buNone/>
-            </a:pPr>
-            <a:r>
-              <a:rPr lang="zh-CN" altLang="en-US" sz="5400" b="1" dirty="0" smtClean="0">
-                <a:solidFill>
-                  <a:srgbClr val="002060"/>
-                </a:solidFill>
-                <a:latin typeface="Microsoft JhengHei" panose="020B0604030504040204" pitchFamily="34" charset="-120"/>
-                <a:ea typeface="Microsoft JhengHei" panose="020B0604030504040204" pitchFamily="34" charset="-120"/>
-              </a:rPr>
-              <a:t>無</a:t>
-            </a:r>
-            <a:r>
-              <a:rPr lang="zh-CN" altLang="en-US" sz="5400" b="1" dirty="0">
-                <a:solidFill>
-                  <a:srgbClr val="002060"/>
-                </a:solidFill>
-                <a:latin typeface="Microsoft JhengHei" panose="020B0604030504040204" pitchFamily="34" charset="-120"/>
-                <a:ea typeface="Microsoft JhengHei" panose="020B0604030504040204" pitchFamily="34" charset="-120"/>
-              </a:rPr>
-              <a:t>人似他如此安</a:t>
-            </a:r>
-            <a:r>
-              <a:rPr lang="zh-CN" altLang="en-US" sz="5400" b="1" dirty="0" smtClean="0">
-                <a:solidFill>
-                  <a:srgbClr val="002060"/>
-                </a:solidFill>
-                <a:latin typeface="Microsoft JhengHei" panose="020B0604030504040204" pitchFamily="34" charset="-120"/>
-                <a:ea typeface="Microsoft JhengHei" panose="020B0604030504040204" pitchFamily="34" charset="-120"/>
-              </a:rPr>
-              <a:t>撫</a:t>
-            </a:r>
-            <a:endParaRPr lang="en-US" altLang="zh-CN" sz="5400" b="1" dirty="0" smtClean="0">
-              <a:solidFill>
-                <a:srgbClr val="002060"/>
-              </a:solidFill>
-              <a:latin typeface="Microsoft JhengHei" panose="020B0604030504040204" pitchFamily="34" charset="-120"/>
-              <a:ea typeface="Microsoft JhengHei" panose="020B0604030504040204" pitchFamily="34" charset="-120"/>
-            </a:endParaRPr>
-          </a:p>
-          <a:p>
-            <a:pPr marL="0" indent="0" algn="ctr">
-              <a:buNone/>
-            </a:pPr>
-            <a:r>
-              <a:rPr lang="zh-CN" altLang="en-US" sz="5400" b="1" dirty="0">
-                <a:solidFill>
-                  <a:srgbClr val="002060"/>
-                </a:solidFill>
-                <a:latin typeface="Microsoft JhengHei" panose="020B0604030504040204" pitchFamily="34" charset="-120"/>
-                <a:ea typeface="Microsoft JhengHei" panose="020B0604030504040204" pitchFamily="34" charset="-120"/>
-              </a:rPr>
-              <a:t>使</a:t>
-            </a:r>
-            <a:r>
-              <a:rPr lang="zh-CN" altLang="en-US" sz="5400" b="1" dirty="0" smtClean="0">
-                <a:solidFill>
-                  <a:srgbClr val="002060"/>
-                </a:solidFill>
-                <a:latin typeface="Microsoft JhengHei" panose="020B0604030504040204" pitchFamily="34" charset="-120"/>
-                <a:ea typeface="Microsoft JhengHei" panose="020B0604030504040204" pitchFamily="34" charset="-120"/>
-              </a:rPr>
-              <a:t>我歡欣  解我心憂  主是我友</a:t>
-            </a:r>
-            <a:endParaRPr lang="vi-VN" sz="5400" b="1" dirty="0">
-              <a:solidFill>
-                <a:srgbClr val="002060"/>
-              </a:solidFill>
-              <a:ea typeface="Microsoft JhengHei" panose="020B0604030504040204" pitchFamily="34" charset="-120"/>
-            </a:endParaRPr>
-          </a:p>
-        </p:txBody>
-      </p:sp>
-      <p:sp>
-        <p:nvSpPr>
-          <p:cNvPr id="4" name="TextBox 3"/>
+        </p:txBody>
+      </p:sp>
+      <p:sp>
+        <p:nvSpPr>
+          <p:cNvPr id="3" name="TextBox 2"/>
           <p:cNvSpPr txBox="1"/>
           <p:nvPr/>
         </p:nvSpPr>
         <p:spPr>
           <a:xfrm>
-            <a:off x="152400" y="1704373"/>
-            <a:ext cx="914400" cy="923330"/>
+            <a:off x="0" y="5061183"/>
+            <a:ext cx="12192000" cy="830997"/>
           </a:xfrm>
           <a:prstGeom prst="rect">
             <a:avLst/>
@@ -3347,17 +3391,34 @@
           </a:bodyPr>
           <a:lstStyle/>
           <a:p>
-            <a:r>
-              <a:rPr lang="en-US" sz="5400" b="1" dirty="0" smtClean="0">
-                <a:solidFill>
-                  <a:srgbClr val="002060"/>
-                </a:solidFill>
-              </a:rPr>
-              <a:t>1.</a:t>
-            </a:r>
-            <a:endParaRPr lang="vi-VN" sz="5400" b="1" dirty="0">
+            <a:pPr algn="ctr"/>
+            <a:r>
+              <a:rPr lang="en-US" sz="4800" b="1" dirty="0">
+                <a:solidFill>
+                  <a:srgbClr val="000066"/>
+                </a:solidFill>
+              </a:rPr>
+              <a:t>( </a:t>
+            </a:r>
+            <a:r>
+              <a:rPr lang="en-US" sz="4800" b="1" dirty="0">
+                <a:solidFill>
+                  <a:srgbClr val="000066"/>
+                </a:solidFill>
+              </a:rPr>
+              <a:t>3 </a:t>
+            </a:r>
+            <a:r>
+              <a:rPr lang="en-US" sz="4800" b="1" dirty="0">
+                <a:solidFill>
+                  <a:srgbClr val="000066"/>
+                </a:solidFill>
+              </a:rPr>
+              <a:t>)</a:t>
+            </a:r>
+            <a:endParaRPr lang="vi-VN" sz="4800" b="1" dirty="0">
               <a:solidFill>
-                <a:srgbClr val="002060"/>
+                <a:srgbClr val="000066"/>
               </a:solidFill>
             </a:endParaRPr>
           </a:p>
@@ -3366,13 +3427,1129 @@
     </p:spTree>
     <p:extLst>
       <p:ext uri="{BB962C8B-B14F-4D97-AF65-F5344CB8AC3E}">
-        <p14:creationId xmlns:p14="http://schemas.microsoft.com/office/powerpoint/2010/main" val="2663975142"/>
+        <p14:creationId xmlns:p14="http://schemas.microsoft.com/office/powerpoint/2010/main" val="2216660125"/>
       </p:ext>
     </p:extLst>
   </p:cSld>
   <p:clrMapOvr>
     <a:masterClrMapping/>
   </p:clrMapOvr>
+  <p:timing>
+    <p:tnLst>
+      <p:par>
+        <p:cTn id="1" dur="indefinite" restart="never" nodeType="tmRoot"/>
+      </p:par>
+    </p:tnLst>
+  </p:timing>
+</p:sld>
+</file>
+
+<file path=ppt/slides/slide11.xml><?xml version="1.0" encoding="utf-8"?>
+<p:sld xmlns:a="http://schemas.openxmlformats.org/drawingml/2006/main" xmlns:r="http://schemas.openxmlformats.org/officeDocument/2006/relationships" xmlns:p="http://schemas.openxmlformats.org/presentationml/2006/main">
+  <p:cSld>
+    <p:spTree>
+      <p:nvGrpSpPr>
+        <p:cNvPr id="1" name=""/>
+        <p:cNvGrpSpPr/>
+        <p:nvPr/>
+      </p:nvGrpSpPr>
+      <p:grpSpPr>
+        <a:xfrm>
+          <a:off x="0" y="0"/>
+          <a:ext cx="0" cy="0"/>
+          <a:chOff x="0" y="0"/>
+          <a:chExt cx="0" cy="0"/>
+        </a:xfrm>
+      </p:grpSpPr>
+      <p:sp>
+        <p:nvSpPr>
+          <p:cNvPr id="5" name="內容版面配置區 4"/>
+          <p:cNvSpPr>
+            <a:spLocks noGrp="1"/>
+          </p:cNvSpPr>
+          <p:nvPr>
+            <p:ph idx="1"/>
+          </p:nvPr>
+        </p:nvSpPr>
+        <p:spPr>
+          <a:xfrm>
+            <a:off x="0" y="2084853"/>
+            <a:ext cx="12192000" cy="2404863"/>
+          </a:xfrm>
+        </p:spPr>
+        <p:txBody>
+          <a:bodyPr anchor="ctr">
+            <a:normAutofit/>
+          </a:bodyPr>
+          <a:lstStyle/>
+          <a:p>
+            <a:pPr marL="0" indent="0" algn="ctr">
+              <a:buNone/>
+            </a:pPr>
+            <a:r>
+              <a:rPr lang="zh-CN" altLang="en-US" sz="6400" b="1" dirty="0">
+                <a:solidFill>
+                  <a:srgbClr val="000066"/>
+                </a:solidFill>
+                <a:latin typeface="Microsoft JhengHei" panose="020B0604030504040204" pitchFamily="34" charset="-120"/>
+                <a:ea typeface="Microsoft JhengHei" panose="020B0604030504040204" pitchFamily="34" charset="-120"/>
+              </a:rPr>
+              <a:t>我主於我何等誠實</a:t>
+            </a:r>
+            <a:endParaRPr lang="en-US" altLang="zh-CN" sz="6400" b="1" dirty="0">
+              <a:solidFill>
+                <a:srgbClr val="000066"/>
+              </a:solidFill>
+              <a:latin typeface="Microsoft JhengHei" panose="020B0604030504040204" pitchFamily="34" charset="-120"/>
+              <a:ea typeface="Microsoft JhengHei" panose="020B0604030504040204" pitchFamily="34" charset="-120"/>
+            </a:endParaRPr>
+          </a:p>
+          <a:p>
+            <a:pPr marL="0" indent="0" algn="ctr">
+              <a:buNone/>
+            </a:pPr>
+            <a:r>
+              <a:rPr lang="zh-CN" altLang="en-US" sz="6400" b="1" dirty="0">
+                <a:solidFill>
+                  <a:srgbClr val="000066"/>
+                </a:solidFill>
+                <a:latin typeface="Microsoft JhengHei" panose="020B0604030504040204" pitchFamily="34" charset="-120"/>
+                <a:ea typeface="Microsoft JhengHei" panose="020B0604030504040204" pitchFamily="34" charset="-120"/>
+              </a:rPr>
+              <a:t>我又何忍負主</a:t>
+            </a:r>
+            <a:endParaRPr lang="en-US" altLang="zh-CN" sz="6400" b="1" dirty="0">
+              <a:solidFill>
+                <a:srgbClr val="000066"/>
+              </a:solidFill>
+              <a:latin typeface="Microsoft JhengHei" panose="020B0604030504040204" pitchFamily="34" charset="-120"/>
+              <a:ea typeface="Microsoft JhengHei" panose="020B0604030504040204" pitchFamily="34" charset="-120"/>
+            </a:endParaRPr>
+          </a:p>
+        </p:txBody>
+      </p:sp>
+      <p:sp>
+        <p:nvSpPr>
+          <p:cNvPr id="3" name="TextBox 2"/>
+          <p:cNvSpPr txBox="1"/>
+          <p:nvPr/>
+        </p:nvSpPr>
+        <p:spPr>
+          <a:xfrm>
+            <a:off x="0" y="5061183"/>
+            <a:ext cx="12192000" cy="830997"/>
+          </a:xfrm>
+          <a:prstGeom prst="rect">
+            <a:avLst/>
+          </a:prstGeom>
+          <a:noFill/>
+        </p:spPr>
+        <p:txBody>
+          <a:bodyPr wrap="square" rtlCol="0">
+            <a:spAutoFit/>
+          </a:bodyPr>
+          <a:lstStyle/>
+          <a:p>
+            <a:pPr algn="ctr"/>
+            <a:r>
+              <a:rPr lang="en-US" sz="4800" b="1" dirty="0">
+                <a:solidFill>
+                  <a:srgbClr val="000066"/>
+                </a:solidFill>
+              </a:rPr>
+              <a:t>( </a:t>
+            </a:r>
+            <a:r>
+              <a:rPr lang="en-US" sz="4800" b="1" dirty="0">
+                <a:solidFill>
+                  <a:srgbClr val="000066"/>
+                </a:solidFill>
+              </a:rPr>
+              <a:t>3 </a:t>
+            </a:r>
+            <a:r>
+              <a:rPr lang="en-US" sz="4800" b="1" dirty="0">
+                <a:solidFill>
+                  <a:srgbClr val="000066"/>
+                </a:solidFill>
+              </a:rPr>
+              <a:t>)</a:t>
+            </a:r>
+            <a:endParaRPr lang="vi-VN" sz="4800" b="1" dirty="0">
+              <a:solidFill>
+                <a:srgbClr val="000066"/>
+              </a:solidFill>
+            </a:endParaRPr>
+          </a:p>
+        </p:txBody>
+      </p:sp>
+    </p:spTree>
+    <p:extLst>
+      <p:ext uri="{BB962C8B-B14F-4D97-AF65-F5344CB8AC3E}">
+        <p14:creationId xmlns:p14="http://schemas.microsoft.com/office/powerpoint/2010/main" val="1138610811"/>
+      </p:ext>
+    </p:extLst>
+  </p:cSld>
+  <p:clrMapOvr>
+    <a:masterClrMapping/>
+  </p:clrMapOvr>
+  <p:timing>
+    <p:tnLst>
+      <p:par>
+        <p:cTn id="1" dur="indefinite" restart="never" nodeType="tmRoot"/>
+      </p:par>
+    </p:tnLst>
+  </p:timing>
+</p:sld>
+</file>
+
+<file path=ppt/slides/slide12.xml><?xml version="1.0" encoding="utf-8"?>
+<p:sld xmlns:a="http://schemas.openxmlformats.org/drawingml/2006/main" xmlns:r="http://schemas.openxmlformats.org/officeDocument/2006/relationships" xmlns:p="http://schemas.openxmlformats.org/presentationml/2006/main">
+  <p:cSld>
+    <p:spTree>
+      <p:nvGrpSpPr>
+        <p:cNvPr id="1" name=""/>
+        <p:cNvGrpSpPr/>
+        <p:nvPr/>
+      </p:nvGrpSpPr>
+      <p:grpSpPr>
+        <a:xfrm>
+          <a:off x="0" y="0"/>
+          <a:ext cx="0" cy="0"/>
+          <a:chOff x="0" y="0"/>
+          <a:chExt cx="0" cy="0"/>
+        </a:xfrm>
+      </p:grpSpPr>
+      <p:sp>
+        <p:nvSpPr>
+          <p:cNvPr id="5" name="內容版面配置區 4"/>
+          <p:cNvSpPr>
+            <a:spLocks noGrp="1"/>
+          </p:cNvSpPr>
+          <p:nvPr>
+            <p:ph idx="1"/>
+          </p:nvPr>
+        </p:nvSpPr>
+        <p:spPr>
+          <a:xfrm>
+            <a:off x="0" y="2084853"/>
+            <a:ext cx="12192000" cy="2404863"/>
+          </a:xfrm>
+        </p:spPr>
+        <p:txBody>
+          <a:bodyPr anchor="ctr">
+            <a:normAutofit/>
+          </a:bodyPr>
+          <a:lstStyle/>
+          <a:p>
+            <a:pPr marL="0" indent="0" algn="ctr">
+              <a:buNone/>
+            </a:pPr>
+            <a:r>
+              <a:rPr lang="zh-CN" altLang="en-US" sz="6400" b="1" dirty="0">
+                <a:solidFill>
+                  <a:srgbClr val="000066"/>
+                </a:solidFill>
+                <a:latin typeface="Microsoft JhengHei" panose="020B0604030504040204" pitchFamily="34" charset="-120"/>
+                <a:ea typeface="Microsoft JhengHei" panose="020B0604030504040204" pitchFamily="34" charset="-120"/>
+              </a:rPr>
+              <a:t>步主後塵我可安心</a:t>
+            </a:r>
+            <a:endParaRPr lang="en-US" altLang="zh-CN" sz="6400" b="1" dirty="0">
+              <a:solidFill>
+                <a:srgbClr val="000066"/>
+              </a:solidFill>
+              <a:latin typeface="Microsoft JhengHei" panose="020B0604030504040204" pitchFamily="34" charset="-120"/>
+              <a:ea typeface="Microsoft JhengHei" panose="020B0604030504040204" pitchFamily="34" charset="-120"/>
+            </a:endParaRPr>
+          </a:p>
+          <a:p>
+            <a:pPr marL="0" indent="0" algn="ctr">
+              <a:buNone/>
+            </a:pPr>
+            <a:r>
+              <a:rPr lang="zh-CN" altLang="en-US" sz="6400" b="1" dirty="0">
+                <a:solidFill>
+                  <a:srgbClr val="000066"/>
+                </a:solidFill>
+                <a:latin typeface="Microsoft JhengHei" panose="020B0604030504040204" pitchFamily="34" charset="-120"/>
+                <a:ea typeface="Microsoft JhengHei" panose="020B0604030504040204" pitchFamily="34" charset="-120"/>
+              </a:rPr>
+              <a:t>仰望十架時刻儆醒</a:t>
+            </a:r>
+            <a:endParaRPr lang="en-US" altLang="zh-CN" sz="6400" b="1" dirty="0">
+              <a:solidFill>
+                <a:srgbClr val="000066"/>
+              </a:solidFill>
+              <a:latin typeface="Microsoft JhengHei" panose="020B0604030504040204" pitchFamily="34" charset="-120"/>
+              <a:ea typeface="Microsoft JhengHei" panose="020B0604030504040204" pitchFamily="34" charset="-120"/>
+            </a:endParaRPr>
+          </a:p>
+        </p:txBody>
+      </p:sp>
+      <p:sp>
+        <p:nvSpPr>
+          <p:cNvPr id="3" name="TextBox 2"/>
+          <p:cNvSpPr txBox="1"/>
+          <p:nvPr/>
+        </p:nvSpPr>
+        <p:spPr>
+          <a:xfrm>
+            <a:off x="0" y="5061183"/>
+            <a:ext cx="12192000" cy="830997"/>
+          </a:xfrm>
+          <a:prstGeom prst="rect">
+            <a:avLst/>
+          </a:prstGeom>
+          <a:noFill/>
+        </p:spPr>
+        <p:txBody>
+          <a:bodyPr wrap="square" rtlCol="0">
+            <a:spAutoFit/>
+          </a:bodyPr>
+          <a:lstStyle/>
+          <a:p>
+            <a:pPr algn="ctr"/>
+            <a:r>
+              <a:rPr lang="en-US" sz="4800" b="1" dirty="0">
+                <a:solidFill>
+                  <a:srgbClr val="000066"/>
+                </a:solidFill>
+              </a:rPr>
+              <a:t>( </a:t>
+            </a:r>
+            <a:r>
+              <a:rPr lang="en-US" sz="4800" b="1" dirty="0">
+                <a:solidFill>
+                  <a:srgbClr val="000066"/>
+                </a:solidFill>
+              </a:rPr>
+              <a:t>3 </a:t>
+            </a:r>
+            <a:r>
+              <a:rPr lang="en-US" sz="4800" b="1" dirty="0">
+                <a:solidFill>
+                  <a:srgbClr val="000066"/>
+                </a:solidFill>
+              </a:rPr>
+              <a:t>)</a:t>
+            </a:r>
+            <a:endParaRPr lang="vi-VN" sz="4800" b="1" dirty="0">
+              <a:solidFill>
+                <a:srgbClr val="000066"/>
+              </a:solidFill>
+            </a:endParaRPr>
+          </a:p>
+        </p:txBody>
+      </p:sp>
+    </p:spTree>
+    <p:extLst>
+      <p:ext uri="{BB962C8B-B14F-4D97-AF65-F5344CB8AC3E}">
+        <p14:creationId xmlns:p14="http://schemas.microsoft.com/office/powerpoint/2010/main" val="3118671287"/>
+      </p:ext>
+    </p:extLst>
+  </p:cSld>
+  <p:clrMapOvr>
+    <a:masterClrMapping/>
+  </p:clrMapOvr>
+  <p:timing>
+    <p:tnLst>
+      <p:par>
+        <p:cTn id="1" dur="indefinite" restart="never" nodeType="tmRoot"/>
+      </p:par>
+    </p:tnLst>
+  </p:timing>
+</p:sld>
+</file>
+
+<file path=ppt/slides/slide13.xml><?xml version="1.0" encoding="utf-8"?>
+<p:sld xmlns:a="http://schemas.openxmlformats.org/drawingml/2006/main" xmlns:r="http://schemas.openxmlformats.org/officeDocument/2006/relationships" xmlns:p="http://schemas.openxmlformats.org/presentationml/2006/main">
+  <p:cSld>
+    <p:spTree>
+      <p:nvGrpSpPr>
+        <p:cNvPr id="1" name=""/>
+        <p:cNvGrpSpPr/>
+        <p:nvPr/>
+      </p:nvGrpSpPr>
+      <p:grpSpPr>
+        <a:xfrm>
+          <a:off x="0" y="0"/>
+          <a:ext cx="0" cy="0"/>
+          <a:chOff x="0" y="0"/>
+          <a:chExt cx="0" cy="0"/>
+        </a:xfrm>
+      </p:grpSpPr>
+      <p:sp>
+        <p:nvSpPr>
+          <p:cNvPr id="5" name="內容版面配置區 4"/>
+          <p:cNvSpPr>
+            <a:spLocks noGrp="1"/>
+          </p:cNvSpPr>
+          <p:nvPr>
+            <p:ph idx="1"/>
+          </p:nvPr>
+        </p:nvSpPr>
+        <p:spPr>
+          <a:xfrm>
+            <a:off x="0" y="2084853"/>
+            <a:ext cx="12192000" cy="2404863"/>
+          </a:xfrm>
+        </p:spPr>
+        <p:txBody>
+          <a:bodyPr anchor="ctr">
+            <a:normAutofit/>
+          </a:bodyPr>
+          <a:lstStyle/>
+          <a:p>
+            <a:pPr marL="0" indent="0" algn="ctr">
+              <a:buNone/>
+            </a:pPr>
+            <a:r>
+              <a:rPr lang="zh-CN" altLang="en-US" sz="6400" b="1" dirty="0">
+                <a:solidFill>
+                  <a:srgbClr val="000066"/>
+                </a:solidFill>
+                <a:latin typeface="Microsoft JhengHei" panose="020B0604030504040204" pitchFamily="34" charset="-120"/>
+                <a:ea typeface="Microsoft JhengHei" panose="020B0604030504040204" pitchFamily="34" charset="-120"/>
+              </a:rPr>
+              <a:t>跟從主行  或夜或明</a:t>
+            </a:r>
+            <a:endParaRPr lang="en-US" altLang="zh-CN" sz="6400" b="1" dirty="0">
+              <a:solidFill>
+                <a:srgbClr val="000066"/>
+              </a:solidFill>
+              <a:latin typeface="Microsoft JhengHei" panose="020B0604030504040204" pitchFamily="34" charset="-120"/>
+              <a:ea typeface="Microsoft JhengHei" panose="020B0604030504040204" pitchFamily="34" charset="-120"/>
+            </a:endParaRPr>
+          </a:p>
+          <a:p>
+            <a:pPr marL="0" indent="0" algn="ctr">
+              <a:buNone/>
+            </a:pPr>
+            <a:r>
+              <a:rPr lang="zh-CN" altLang="en-US" sz="6400" b="1" dirty="0">
+                <a:solidFill>
+                  <a:srgbClr val="000066"/>
+                </a:solidFill>
+                <a:ea typeface="Microsoft JhengHei" panose="020B0604030504040204" pitchFamily="34" charset="-120"/>
+              </a:rPr>
+              <a:t>主是我友</a:t>
+            </a:r>
+            <a:endParaRPr lang="vi-VN" sz="6400" b="1" dirty="0">
+              <a:solidFill>
+                <a:srgbClr val="000066"/>
+              </a:solidFill>
+              <a:ea typeface="Microsoft JhengHei" panose="020B0604030504040204" pitchFamily="34" charset="-120"/>
+            </a:endParaRPr>
+          </a:p>
+        </p:txBody>
+      </p:sp>
+      <p:sp>
+        <p:nvSpPr>
+          <p:cNvPr id="3" name="TextBox 2"/>
+          <p:cNvSpPr txBox="1"/>
+          <p:nvPr/>
+        </p:nvSpPr>
+        <p:spPr>
+          <a:xfrm>
+            <a:off x="0" y="5061183"/>
+            <a:ext cx="12192000" cy="830997"/>
+          </a:xfrm>
+          <a:prstGeom prst="rect">
+            <a:avLst/>
+          </a:prstGeom>
+          <a:noFill/>
+        </p:spPr>
+        <p:txBody>
+          <a:bodyPr wrap="square" rtlCol="0">
+            <a:spAutoFit/>
+          </a:bodyPr>
+          <a:lstStyle/>
+          <a:p>
+            <a:pPr algn="ctr"/>
+            <a:r>
+              <a:rPr lang="en-US" sz="4800" b="1" dirty="0">
+                <a:solidFill>
+                  <a:srgbClr val="000066"/>
+                </a:solidFill>
+              </a:rPr>
+              <a:t>( </a:t>
+            </a:r>
+            <a:r>
+              <a:rPr lang="en-US" sz="4800" b="1" dirty="0">
+                <a:solidFill>
+                  <a:srgbClr val="000066"/>
+                </a:solidFill>
+              </a:rPr>
+              <a:t>3 </a:t>
+            </a:r>
+            <a:r>
+              <a:rPr lang="en-US" sz="4800" b="1" dirty="0">
+                <a:solidFill>
+                  <a:srgbClr val="000066"/>
+                </a:solidFill>
+              </a:rPr>
+              <a:t>)</a:t>
+            </a:r>
+            <a:endParaRPr lang="vi-VN" sz="4800" b="1" dirty="0">
+              <a:solidFill>
+                <a:srgbClr val="000066"/>
+              </a:solidFill>
+            </a:endParaRPr>
+          </a:p>
+        </p:txBody>
+      </p:sp>
+    </p:spTree>
+    <p:extLst>
+      <p:ext uri="{BB962C8B-B14F-4D97-AF65-F5344CB8AC3E}">
+        <p14:creationId xmlns:p14="http://schemas.microsoft.com/office/powerpoint/2010/main" val="4220743610"/>
+      </p:ext>
+    </p:extLst>
+  </p:cSld>
+  <p:clrMapOvr>
+    <a:masterClrMapping/>
+  </p:clrMapOvr>
+  <p:timing>
+    <p:tnLst>
+      <p:par>
+        <p:cTn id="1" dur="indefinite" restart="never" nodeType="tmRoot"/>
+      </p:par>
+    </p:tnLst>
+  </p:timing>
+</p:sld>
+</file>
+
+<file path=ppt/slides/slide14.xml><?xml version="1.0" encoding="utf-8"?>
+<p:sld xmlns:a="http://schemas.openxmlformats.org/drawingml/2006/main" xmlns:r="http://schemas.openxmlformats.org/officeDocument/2006/relationships" xmlns:p="http://schemas.openxmlformats.org/presentationml/2006/main">
+  <p:cSld>
+    <p:spTree>
+      <p:nvGrpSpPr>
+        <p:cNvPr id="1" name=""/>
+        <p:cNvGrpSpPr/>
+        <p:nvPr/>
+      </p:nvGrpSpPr>
+      <p:grpSpPr>
+        <a:xfrm>
+          <a:off x="0" y="0"/>
+          <a:ext cx="0" cy="0"/>
+          <a:chOff x="0" y="0"/>
+          <a:chExt cx="0" cy="0"/>
+        </a:xfrm>
+      </p:grpSpPr>
+      <p:sp>
+        <p:nvSpPr>
+          <p:cNvPr id="5" name="內容版面配置區 4"/>
+          <p:cNvSpPr>
+            <a:spLocks noGrp="1"/>
+          </p:cNvSpPr>
+          <p:nvPr>
+            <p:ph idx="1"/>
+          </p:nvPr>
+        </p:nvSpPr>
+        <p:spPr>
+          <a:xfrm>
+            <a:off x="0" y="2084853"/>
+            <a:ext cx="12192000" cy="2404863"/>
+          </a:xfrm>
+        </p:spPr>
+        <p:txBody>
+          <a:bodyPr anchor="ctr">
+            <a:normAutofit/>
+          </a:bodyPr>
+          <a:lstStyle/>
+          <a:p>
+            <a:pPr marL="0" indent="0" algn="ctr">
+              <a:buNone/>
+            </a:pPr>
+            <a:r>
+              <a:rPr lang="zh-CN" altLang="en-US" sz="6400" b="1" dirty="0">
+                <a:solidFill>
+                  <a:srgbClr val="000066"/>
+                </a:solidFill>
+                <a:latin typeface="Microsoft JhengHei" panose="020B0604030504040204" pitchFamily="34" charset="-120"/>
+                <a:ea typeface="Microsoft JhengHei" panose="020B0604030504040204" pitchFamily="34" charset="-120"/>
+              </a:rPr>
+              <a:t>耶穌比全世界更寶</a:t>
+            </a:r>
+            <a:endParaRPr lang="en-US" altLang="zh-CN" sz="6400" b="1" dirty="0">
+              <a:solidFill>
+                <a:srgbClr val="000066"/>
+              </a:solidFill>
+              <a:latin typeface="Microsoft JhengHei" panose="020B0604030504040204" pitchFamily="34" charset="-120"/>
+              <a:ea typeface="Microsoft JhengHei" panose="020B0604030504040204" pitchFamily="34" charset="-120"/>
+            </a:endParaRPr>
+          </a:p>
+          <a:p>
+            <a:pPr marL="0" indent="0" algn="ctr">
+              <a:buNone/>
+            </a:pPr>
+            <a:r>
+              <a:rPr lang="zh-CN" altLang="en-US" sz="6400" b="1" dirty="0">
+                <a:solidFill>
+                  <a:srgbClr val="000066"/>
+                </a:solidFill>
+                <a:latin typeface="Microsoft JhengHei" panose="020B0604030504040204" pitchFamily="34" charset="-120"/>
+                <a:ea typeface="Microsoft JhengHei" panose="020B0604030504040204" pitchFamily="34" charset="-120"/>
+              </a:rPr>
+              <a:t>此外無所愛慕</a:t>
+            </a:r>
+            <a:endParaRPr lang="en-US" altLang="zh-CN" sz="6400" b="1" dirty="0">
+              <a:solidFill>
+                <a:srgbClr val="000066"/>
+              </a:solidFill>
+              <a:latin typeface="Microsoft JhengHei" panose="020B0604030504040204" pitchFamily="34" charset="-120"/>
+              <a:ea typeface="Microsoft JhengHei" panose="020B0604030504040204" pitchFamily="34" charset="-120"/>
+            </a:endParaRPr>
+          </a:p>
+        </p:txBody>
+      </p:sp>
+      <p:sp>
+        <p:nvSpPr>
+          <p:cNvPr id="3" name="TextBox 2"/>
+          <p:cNvSpPr txBox="1"/>
+          <p:nvPr/>
+        </p:nvSpPr>
+        <p:spPr>
+          <a:xfrm>
+            <a:off x="0" y="5061183"/>
+            <a:ext cx="12192000" cy="830997"/>
+          </a:xfrm>
+          <a:prstGeom prst="rect">
+            <a:avLst/>
+          </a:prstGeom>
+          <a:noFill/>
+        </p:spPr>
+        <p:txBody>
+          <a:bodyPr wrap="square" rtlCol="0">
+            <a:spAutoFit/>
+          </a:bodyPr>
+          <a:lstStyle/>
+          <a:p>
+            <a:pPr algn="ctr"/>
+            <a:r>
+              <a:rPr lang="en-US" sz="4800" b="1" dirty="0">
+                <a:solidFill>
+                  <a:srgbClr val="000066"/>
+                </a:solidFill>
+              </a:rPr>
+              <a:t>( </a:t>
+            </a:r>
+            <a:r>
+              <a:rPr lang="en-US" sz="4800" b="1" dirty="0">
+                <a:solidFill>
+                  <a:srgbClr val="000066"/>
+                </a:solidFill>
+              </a:rPr>
+              <a:t>4 </a:t>
+            </a:r>
+            <a:r>
+              <a:rPr lang="en-US" sz="4800" b="1" dirty="0">
+                <a:solidFill>
+                  <a:srgbClr val="000066"/>
+                </a:solidFill>
+              </a:rPr>
+              <a:t>)</a:t>
+            </a:r>
+            <a:endParaRPr lang="vi-VN" sz="4800" b="1" dirty="0">
+              <a:solidFill>
+                <a:srgbClr val="000066"/>
+              </a:solidFill>
+            </a:endParaRPr>
+          </a:p>
+        </p:txBody>
+      </p:sp>
+    </p:spTree>
+    <p:extLst>
+      <p:ext uri="{BB962C8B-B14F-4D97-AF65-F5344CB8AC3E}">
+        <p14:creationId xmlns:p14="http://schemas.microsoft.com/office/powerpoint/2010/main" val="3194976953"/>
+      </p:ext>
+    </p:extLst>
+  </p:cSld>
+  <p:clrMapOvr>
+    <a:masterClrMapping/>
+  </p:clrMapOvr>
+  <p:timing>
+    <p:tnLst>
+      <p:par>
+        <p:cTn id="1" dur="indefinite" restart="never" nodeType="tmRoot"/>
+      </p:par>
+    </p:tnLst>
+  </p:timing>
+</p:sld>
+</file>
+
+<file path=ppt/slides/slide15.xml><?xml version="1.0" encoding="utf-8"?>
+<p:sld xmlns:a="http://schemas.openxmlformats.org/drawingml/2006/main" xmlns:r="http://schemas.openxmlformats.org/officeDocument/2006/relationships" xmlns:p="http://schemas.openxmlformats.org/presentationml/2006/main">
+  <p:cSld>
+    <p:spTree>
+      <p:nvGrpSpPr>
+        <p:cNvPr id="1" name=""/>
+        <p:cNvGrpSpPr/>
+        <p:nvPr/>
+      </p:nvGrpSpPr>
+      <p:grpSpPr>
+        <a:xfrm>
+          <a:off x="0" y="0"/>
+          <a:ext cx="0" cy="0"/>
+          <a:chOff x="0" y="0"/>
+          <a:chExt cx="0" cy="0"/>
+        </a:xfrm>
+      </p:grpSpPr>
+      <p:sp>
+        <p:nvSpPr>
+          <p:cNvPr id="5" name="內容版面配置區 4"/>
+          <p:cNvSpPr>
+            <a:spLocks noGrp="1"/>
+          </p:cNvSpPr>
+          <p:nvPr>
+            <p:ph idx="1"/>
+          </p:nvPr>
+        </p:nvSpPr>
+        <p:spPr>
+          <a:xfrm>
+            <a:off x="0" y="2084853"/>
+            <a:ext cx="12192000" cy="2404863"/>
+          </a:xfrm>
+        </p:spPr>
+        <p:txBody>
+          <a:bodyPr anchor="ctr">
+            <a:normAutofit/>
+          </a:bodyPr>
+          <a:lstStyle/>
+          <a:p>
+            <a:pPr marL="0" indent="0" algn="ctr">
+              <a:buNone/>
+            </a:pPr>
+            <a:r>
+              <a:rPr lang="zh-CN" altLang="en-US" sz="6400" b="1" dirty="0">
+                <a:solidFill>
+                  <a:srgbClr val="000066"/>
+                </a:solidFill>
+                <a:latin typeface="Microsoft JhengHei" panose="020B0604030504040204" pitchFamily="34" charset="-120"/>
+                <a:ea typeface="Microsoft JhengHei" panose="020B0604030504040204" pitchFamily="34" charset="-120"/>
+              </a:rPr>
+              <a:t>我信靠主時時靠主</a:t>
+            </a:r>
+            <a:endParaRPr lang="en-US" altLang="zh-CN" sz="6400" b="1" dirty="0">
+              <a:solidFill>
+                <a:srgbClr val="000066"/>
+              </a:solidFill>
+              <a:latin typeface="Microsoft JhengHei" panose="020B0604030504040204" pitchFamily="34" charset="-120"/>
+              <a:ea typeface="Microsoft JhengHei" panose="020B0604030504040204" pitchFamily="34" charset="-120"/>
+            </a:endParaRPr>
+          </a:p>
+          <a:p>
+            <a:pPr marL="0" indent="0" algn="ctr">
+              <a:buNone/>
+            </a:pPr>
+            <a:r>
+              <a:rPr lang="zh-CN" altLang="en-US" sz="6400" b="1" dirty="0">
+                <a:solidFill>
+                  <a:srgbClr val="000066"/>
+                </a:solidFill>
+                <a:latin typeface="Microsoft JhengHei" panose="020B0604030504040204" pitchFamily="34" charset="-120"/>
+                <a:ea typeface="Microsoft JhengHei" panose="020B0604030504040204" pitchFamily="34" charset="-120"/>
+              </a:rPr>
+              <a:t>無論遇福受苦</a:t>
+            </a:r>
+            <a:endParaRPr lang="en-US" altLang="zh-CN" sz="6400" b="1" dirty="0">
+              <a:solidFill>
+                <a:srgbClr val="000066"/>
+              </a:solidFill>
+              <a:latin typeface="Microsoft JhengHei" panose="020B0604030504040204" pitchFamily="34" charset="-120"/>
+              <a:ea typeface="Microsoft JhengHei" panose="020B0604030504040204" pitchFamily="34" charset="-120"/>
+            </a:endParaRPr>
+          </a:p>
+        </p:txBody>
+      </p:sp>
+      <p:sp>
+        <p:nvSpPr>
+          <p:cNvPr id="3" name="TextBox 2"/>
+          <p:cNvSpPr txBox="1"/>
+          <p:nvPr/>
+        </p:nvSpPr>
+        <p:spPr>
+          <a:xfrm>
+            <a:off x="0" y="5061183"/>
+            <a:ext cx="12192000" cy="830997"/>
+          </a:xfrm>
+          <a:prstGeom prst="rect">
+            <a:avLst/>
+          </a:prstGeom>
+          <a:noFill/>
+        </p:spPr>
+        <p:txBody>
+          <a:bodyPr wrap="square" rtlCol="0">
+            <a:spAutoFit/>
+          </a:bodyPr>
+          <a:lstStyle/>
+          <a:p>
+            <a:pPr algn="ctr"/>
+            <a:r>
+              <a:rPr lang="en-US" sz="4800" b="1" dirty="0">
+                <a:solidFill>
+                  <a:srgbClr val="000066"/>
+                </a:solidFill>
+              </a:rPr>
+              <a:t>( </a:t>
+            </a:r>
+            <a:r>
+              <a:rPr lang="en-US" sz="4800" b="1" dirty="0">
+                <a:solidFill>
+                  <a:srgbClr val="000066"/>
+                </a:solidFill>
+              </a:rPr>
+              <a:t>4 </a:t>
+            </a:r>
+            <a:r>
+              <a:rPr lang="en-US" sz="4800" b="1" dirty="0">
+                <a:solidFill>
+                  <a:srgbClr val="000066"/>
+                </a:solidFill>
+              </a:rPr>
+              <a:t>)</a:t>
+            </a:r>
+            <a:endParaRPr lang="vi-VN" sz="4800" b="1" dirty="0">
+              <a:solidFill>
+                <a:srgbClr val="000066"/>
+              </a:solidFill>
+            </a:endParaRPr>
+          </a:p>
+        </p:txBody>
+      </p:sp>
+    </p:spTree>
+    <p:extLst>
+      <p:ext uri="{BB962C8B-B14F-4D97-AF65-F5344CB8AC3E}">
+        <p14:creationId xmlns:p14="http://schemas.microsoft.com/office/powerpoint/2010/main" val="3745817580"/>
+      </p:ext>
+    </p:extLst>
+  </p:cSld>
+  <p:clrMapOvr>
+    <a:masterClrMapping/>
+  </p:clrMapOvr>
+  <p:timing>
+    <p:tnLst>
+      <p:par>
+        <p:cTn id="1" dur="indefinite" restart="never" nodeType="tmRoot"/>
+      </p:par>
+    </p:tnLst>
+  </p:timing>
+</p:sld>
+</file>
+
+<file path=ppt/slides/slide16.xml><?xml version="1.0" encoding="utf-8"?>
+<p:sld xmlns:a="http://schemas.openxmlformats.org/drawingml/2006/main" xmlns:r="http://schemas.openxmlformats.org/officeDocument/2006/relationships" xmlns:p="http://schemas.openxmlformats.org/presentationml/2006/main">
+  <p:cSld>
+    <p:spTree>
+      <p:nvGrpSpPr>
+        <p:cNvPr id="1" name=""/>
+        <p:cNvGrpSpPr/>
+        <p:nvPr/>
+      </p:nvGrpSpPr>
+      <p:grpSpPr>
+        <a:xfrm>
+          <a:off x="0" y="0"/>
+          <a:ext cx="0" cy="0"/>
+          <a:chOff x="0" y="0"/>
+          <a:chExt cx="0" cy="0"/>
+        </a:xfrm>
+      </p:grpSpPr>
+      <p:sp>
+        <p:nvSpPr>
+          <p:cNvPr id="5" name="內容版面配置區 4"/>
+          <p:cNvSpPr>
+            <a:spLocks noGrp="1"/>
+          </p:cNvSpPr>
+          <p:nvPr>
+            <p:ph idx="1"/>
+          </p:nvPr>
+        </p:nvSpPr>
+        <p:spPr>
+          <a:xfrm>
+            <a:off x="0" y="2084853"/>
+            <a:ext cx="12192000" cy="2404863"/>
+          </a:xfrm>
+        </p:spPr>
+        <p:txBody>
+          <a:bodyPr anchor="ctr">
+            <a:normAutofit/>
+          </a:bodyPr>
+          <a:lstStyle/>
+          <a:p>
+            <a:pPr marL="0" indent="0" algn="ctr">
+              <a:buNone/>
+            </a:pPr>
+            <a:r>
+              <a:rPr lang="zh-CN" altLang="en-US" sz="6400" b="1" dirty="0">
+                <a:solidFill>
+                  <a:srgbClr val="000066"/>
+                </a:solidFill>
+                <a:latin typeface="Microsoft JhengHei" panose="020B0604030504040204" pitchFamily="34" charset="-120"/>
+                <a:ea typeface="Microsoft JhengHei" panose="020B0604030504040204" pitchFamily="34" charset="-120"/>
+              </a:rPr>
+              <a:t>得此良友慰此一生</a:t>
+            </a:r>
+            <a:endParaRPr lang="en-US" altLang="zh-CN" sz="6400" b="1" dirty="0">
+              <a:solidFill>
+                <a:srgbClr val="000066"/>
+              </a:solidFill>
+              <a:latin typeface="Microsoft JhengHei" panose="020B0604030504040204" pitchFamily="34" charset="-120"/>
+              <a:ea typeface="Microsoft JhengHei" panose="020B0604030504040204" pitchFamily="34" charset="-120"/>
+            </a:endParaRPr>
+          </a:p>
+          <a:p>
+            <a:pPr marL="0" indent="0" algn="ctr">
+              <a:buNone/>
+            </a:pPr>
+            <a:r>
+              <a:rPr lang="zh-CN" altLang="en-US" sz="6400" b="1" dirty="0">
+                <a:solidFill>
+                  <a:srgbClr val="000066"/>
+                </a:solidFill>
+                <a:latin typeface="Microsoft JhengHei" panose="020B0604030504040204" pitchFamily="34" charset="-120"/>
+                <a:ea typeface="Microsoft JhengHei" panose="020B0604030504040204" pitchFamily="34" charset="-120"/>
+              </a:rPr>
+              <a:t>與主親近喜樂日增</a:t>
+            </a:r>
+            <a:endParaRPr lang="en-US" altLang="zh-CN" sz="6400" b="1" dirty="0">
+              <a:solidFill>
+                <a:srgbClr val="000066"/>
+              </a:solidFill>
+              <a:latin typeface="Microsoft JhengHei" panose="020B0604030504040204" pitchFamily="34" charset="-120"/>
+              <a:ea typeface="Microsoft JhengHei" panose="020B0604030504040204" pitchFamily="34" charset="-120"/>
+            </a:endParaRPr>
+          </a:p>
+        </p:txBody>
+      </p:sp>
+      <p:sp>
+        <p:nvSpPr>
+          <p:cNvPr id="3" name="TextBox 2"/>
+          <p:cNvSpPr txBox="1"/>
+          <p:nvPr/>
+        </p:nvSpPr>
+        <p:spPr>
+          <a:xfrm>
+            <a:off x="0" y="5061183"/>
+            <a:ext cx="12192000" cy="830997"/>
+          </a:xfrm>
+          <a:prstGeom prst="rect">
+            <a:avLst/>
+          </a:prstGeom>
+          <a:noFill/>
+        </p:spPr>
+        <p:txBody>
+          <a:bodyPr wrap="square" rtlCol="0">
+            <a:spAutoFit/>
+          </a:bodyPr>
+          <a:lstStyle/>
+          <a:p>
+            <a:pPr algn="ctr"/>
+            <a:r>
+              <a:rPr lang="en-US" sz="4800" b="1" dirty="0">
+                <a:solidFill>
+                  <a:srgbClr val="000066"/>
+                </a:solidFill>
+              </a:rPr>
+              <a:t>( </a:t>
+            </a:r>
+            <a:r>
+              <a:rPr lang="en-US" sz="4800" b="1" dirty="0">
+                <a:solidFill>
+                  <a:srgbClr val="000066"/>
+                </a:solidFill>
+              </a:rPr>
+              <a:t>4 </a:t>
+            </a:r>
+            <a:r>
+              <a:rPr lang="en-US" sz="4800" b="1" dirty="0">
+                <a:solidFill>
+                  <a:srgbClr val="000066"/>
+                </a:solidFill>
+              </a:rPr>
+              <a:t>)</a:t>
+            </a:r>
+            <a:endParaRPr lang="vi-VN" sz="4800" b="1" dirty="0">
+              <a:solidFill>
+                <a:srgbClr val="000066"/>
+              </a:solidFill>
+            </a:endParaRPr>
+          </a:p>
+        </p:txBody>
+      </p:sp>
+    </p:spTree>
+    <p:extLst>
+      <p:ext uri="{BB962C8B-B14F-4D97-AF65-F5344CB8AC3E}">
+        <p14:creationId xmlns:p14="http://schemas.microsoft.com/office/powerpoint/2010/main" val="4131174233"/>
+      </p:ext>
+    </p:extLst>
+  </p:cSld>
+  <p:clrMapOvr>
+    <a:masterClrMapping/>
+  </p:clrMapOvr>
+  <p:timing>
+    <p:tnLst>
+      <p:par>
+        <p:cTn id="1" dur="indefinite" restart="never" nodeType="tmRoot"/>
+      </p:par>
+    </p:tnLst>
+  </p:timing>
+</p:sld>
+</file>
+
+<file path=ppt/slides/slide17.xml><?xml version="1.0" encoding="utf-8"?>
+<p:sld xmlns:a="http://schemas.openxmlformats.org/drawingml/2006/main" xmlns:r="http://schemas.openxmlformats.org/officeDocument/2006/relationships" xmlns:p="http://schemas.openxmlformats.org/presentationml/2006/main">
+  <p:cSld>
+    <p:spTree>
+      <p:nvGrpSpPr>
+        <p:cNvPr id="1" name=""/>
+        <p:cNvGrpSpPr/>
+        <p:nvPr/>
+      </p:nvGrpSpPr>
+      <p:grpSpPr>
+        <a:xfrm>
+          <a:off x="0" y="0"/>
+          <a:ext cx="0" cy="0"/>
+          <a:chOff x="0" y="0"/>
+          <a:chExt cx="0" cy="0"/>
+        </a:xfrm>
+      </p:grpSpPr>
+      <p:sp>
+        <p:nvSpPr>
+          <p:cNvPr id="5" name="內容版面配置區 4"/>
+          <p:cNvSpPr>
+            <a:spLocks noGrp="1"/>
+          </p:cNvSpPr>
+          <p:nvPr>
+            <p:ph idx="1"/>
+          </p:nvPr>
+        </p:nvSpPr>
+        <p:spPr>
+          <a:xfrm>
+            <a:off x="0" y="2084853"/>
+            <a:ext cx="12192000" cy="2404863"/>
+          </a:xfrm>
+        </p:spPr>
+        <p:txBody>
+          <a:bodyPr anchor="ctr">
+            <a:normAutofit/>
+          </a:bodyPr>
+          <a:lstStyle/>
+          <a:p>
+            <a:pPr marL="0" indent="0" algn="ctr">
+              <a:buNone/>
+            </a:pPr>
+            <a:r>
+              <a:rPr lang="zh-CN" altLang="en-US" sz="6400" b="1" dirty="0">
+                <a:solidFill>
+                  <a:srgbClr val="000066"/>
+                </a:solidFill>
+                <a:latin typeface="Microsoft JhengHei" panose="020B0604030504040204" pitchFamily="34" charset="-120"/>
+                <a:ea typeface="Microsoft JhengHei" panose="020B0604030504040204" pitchFamily="34" charset="-120"/>
+              </a:rPr>
+              <a:t>永遠喜樂  無窮無盡</a:t>
+            </a:r>
+            <a:endParaRPr lang="en-US" altLang="zh-CN" sz="6400" b="1" dirty="0">
+              <a:solidFill>
+                <a:srgbClr val="000066"/>
+              </a:solidFill>
+              <a:latin typeface="Microsoft JhengHei" panose="020B0604030504040204" pitchFamily="34" charset="-120"/>
+              <a:ea typeface="Microsoft JhengHei" panose="020B0604030504040204" pitchFamily="34" charset="-120"/>
+            </a:endParaRPr>
+          </a:p>
+          <a:p>
+            <a:pPr marL="0" indent="0" algn="ctr">
+              <a:buNone/>
+            </a:pPr>
+            <a:r>
+              <a:rPr lang="zh-CN" altLang="en-US" sz="6400" b="1" dirty="0">
+                <a:solidFill>
+                  <a:srgbClr val="000066"/>
+                </a:solidFill>
+                <a:ea typeface="Microsoft JhengHei" panose="020B0604030504040204" pitchFamily="34" charset="-120"/>
+              </a:rPr>
+              <a:t>主是我友</a:t>
+            </a:r>
+            <a:endParaRPr lang="vi-VN" sz="6400" b="1" dirty="0">
+              <a:solidFill>
+                <a:srgbClr val="000066"/>
+              </a:solidFill>
+              <a:ea typeface="Microsoft JhengHei" panose="020B0604030504040204" pitchFamily="34" charset="-120"/>
+            </a:endParaRPr>
+          </a:p>
+        </p:txBody>
+      </p:sp>
+      <p:sp>
+        <p:nvSpPr>
+          <p:cNvPr id="3" name="TextBox 2"/>
+          <p:cNvSpPr txBox="1"/>
+          <p:nvPr/>
+        </p:nvSpPr>
+        <p:spPr>
+          <a:xfrm>
+            <a:off x="0" y="5061183"/>
+            <a:ext cx="12192000" cy="830997"/>
+          </a:xfrm>
+          <a:prstGeom prst="rect">
+            <a:avLst/>
+          </a:prstGeom>
+          <a:noFill/>
+        </p:spPr>
+        <p:txBody>
+          <a:bodyPr wrap="square" rtlCol="0">
+            <a:spAutoFit/>
+          </a:bodyPr>
+          <a:lstStyle/>
+          <a:p>
+            <a:pPr algn="ctr"/>
+            <a:r>
+              <a:rPr lang="en-US" sz="4800" b="1" dirty="0">
+                <a:solidFill>
+                  <a:srgbClr val="000066"/>
+                </a:solidFill>
+              </a:rPr>
+              <a:t>( </a:t>
+            </a:r>
+            <a:r>
+              <a:rPr lang="en-US" sz="4800" b="1" dirty="0">
+                <a:solidFill>
+                  <a:srgbClr val="000066"/>
+                </a:solidFill>
+              </a:rPr>
+              <a:t>4 </a:t>
+            </a:r>
+            <a:r>
+              <a:rPr lang="en-US" sz="4800" b="1" dirty="0">
+                <a:solidFill>
+                  <a:srgbClr val="000066"/>
+                </a:solidFill>
+              </a:rPr>
+              <a:t>)</a:t>
+            </a:r>
+            <a:endParaRPr lang="vi-VN" sz="4800" b="1" dirty="0">
+              <a:solidFill>
+                <a:srgbClr val="000066"/>
+              </a:solidFill>
+            </a:endParaRPr>
+          </a:p>
+        </p:txBody>
+      </p:sp>
+    </p:spTree>
+    <p:extLst>
+      <p:ext uri="{BB962C8B-B14F-4D97-AF65-F5344CB8AC3E}">
+        <p14:creationId xmlns:p14="http://schemas.microsoft.com/office/powerpoint/2010/main" val="1872345883"/>
+      </p:ext>
+    </p:extLst>
+  </p:cSld>
+  <p:clrMapOvr>
+    <a:masterClrMapping/>
+  </p:clrMapOvr>
+  <p:timing>
+    <p:tnLst>
+      <p:par>
+        <p:cTn id="1" dur="indefinite" restart="never" nodeType="tmRoot"/>
+      </p:par>
+    </p:tnLst>
+  </p:timing>
 </p:sld>
 </file>
 
@@ -3395,217 +4572,121 @@
       </p:grpSpPr>
       <p:sp>
         <p:nvSpPr>
-          <p:cNvPr id="2" name="Title 1"/>
-          <p:cNvSpPr>
-            <a:spLocks noGrp="1"/>
-          </p:cNvSpPr>
-          <p:nvPr>
-            <p:ph type="title"/>
-          </p:nvPr>
-        </p:nvSpPr>
-        <p:spPr/>
-        <p:txBody>
-          <a:bodyPr>
+          <p:cNvPr id="5" name="內容版面配置區 4"/>
+          <p:cNvSpPr>
+            <a:spLocks noGrp="1"/>
+          </p:cNvSpPr>
+          <p:nvPr>
+            <p:ph idx="1"/>
+          </p:nvPr>
+        </p:nvSpPr>
+        <p:spPr>
+          <a:xfrm>
+            <a:off x="0" y="2084853"/>
+            <a:ext cx="12192000" cy="2404863"/>
+          </a:xfrm>
+        </p:spPr>
+        <p:txBody>
+          <a:bodyPr anchor="ctr">
             <a:normAutofit/>
           </a:bodyPr>
           <a:lstStyle/>
           <a:p>
-            <a:r>
-              <a:rPr lang="zh-CN" altLang="en-US" sz="4800" b="1" dirty="0" smtClean="0">
-                <a:solidFill>
-                  <a:srgbClr val="002060"/>
-                </a:solidFill>
-                <a:latin typeface="Microsoft JhengHei" panose="020B0604030504040204" pitchFamily="34" charset="-120"/>
-                <a:ea typeface="Microsoft JhengHei" panose="020B0604030504040204" pitchFamily="34" charset="-120"/>
-              </a:rPr>
-              <a:t>耶穌比全世界更寶</a:t>
-            </a:r>
-            <a:endParaRPr lang="vi-VN" sz="4800" b="1" dirty="0">
+            <a:pPr marL="0" indent="0" algn="ctr">
+              <a:buNone/>
+            </a:pPr>
+            <a:r>
+              <a:rPr lang="zh-CN" altLang="en-US" sz="6400" b="1" dirty="0">
+                <a:solidFill>
+                  <a:srgbClr val="000066"/>
+                </a:solidFill>
+                <a:latin typeface="Microsoft JhengHei" pitchFamily="34" charset="-120"/>
+                <a:ea typeface="Microsoft JhengHei" pitchFamily="34" charset="-120"/>
+              </a:rPr>
+              <a:t>耶</a:t>
+            </a:r>
+            <a:r>
+              <a:rPr lang="zh-CN" altLang="en-US" sz="6400" b="1" dirty="0">
+                <a:solidFill>
+                  <a:srgbClr val="000066"/>
+                </a:solidFill>
+                <a:latin typeface="Microsoft JhengHei" pitchFamily="34" charset="-120"/>
+                <a:ea typeface="Microsoft JhengHei" pitchFamily="34" charset="-120"/>
+              </a:rPr>
+              <a:t>穌比全世界更</a:t>
+            </a:r>
+            <a:r>
+              <a:rPr lang="zh-CN" altLang="en-US" sz="6400" b="1" dirty="0">
+                <a:solidFill>
+                  <a:srgbClr val="000066"/>
+                </a:solidFill>
+                <a:latin typeface="Microsoft JhengHei" pitchFamily="34" charset="-120"/>
+                <a:ea typeface="Microsoft JhengHei" pitchFamily="34" charset="-120"/>
+              </a:rPr>
+              <a:t>寶</a:t>
+            </a:r>
+            <a:endParaRPr lang="en-US" altLang="zh-CN" sz="6400" b="1" dirty="0">
               <a:solidFill>
-                <a:srgbClr val="002060"/>
+                <a:srgbClr val="000066"/>
               </a:solidFill>
-              <a:ea typeface="Microsoft JhengHei" panose="020B0604030504040204" pitchFamily="34" charset="-120"/>
+              <a:latin typeface="Microsoft JhengHei" pitchFamily="34" charset="-120"/>
+              <a:ea typeface="Microsoft JhengHei" pitchFamily="34" charset="-120"/>
             </a:endParaRPr>
           </a:p>
-        </p:txBody>
-      </p:sp>
-      <p:sp>
-        <p:nvSpPr>
-          <p:cNvPr id="3" name="Content Placeholder 2"/>
-          <p:cNvSpPr>
-            <a:spLocks noGrp="1"/>
-          </p:cNvSpPr>
-          <p:nvPr>
-            <p:ph idx="1"/>
-          </p:nvPr>
+          <a:p>
+            <a:pPr marL="0" indent="0" algn="ctr">
+              <a:buNone/>
+            </a:pPr>
+            <a:r>
+              <a:rPr lang="zh-CN" altLang="en-US" sz="6400" b="1" dirty="0">
+                <a:solidFill>
+                  <a:srgbClr val="000066"/>
+                </a:solidFill>
+                <a:latin typeface="Microsoft JhengHei" pitchFamily="34" charset="-120"/>
+                <a:ea typeface="Microsoft JhengHei" pitchFamily="34" charset="-120"/>
+              </a:rPr>
+              <a:t>生</a:t>
+            </a:r>
+            <a:r>
+              <a:rPr lang="zh-CN" altLang="en-US" sz="6400" b="1" dirty="0">
+                <a:solidFill>
+                  <a:srgbClr val="000066"/>
+                </a:solidFill>
+                <a:latin typeface="Microsoft JhengHei" pitchFamily="34" charset="-120"/>
+                <a:ea typeface="Microsoft JhengHei" pitchFamily="34" charset="-120"/>
+              </a:rPr>
+              <a:t>命喜樂榮</a:t>
+            </a:r>
+            <a:r>
+              <a:rPr lang="zh-CN" altLang="en-US" sz="6400" b="1" dirty="0">
+                <a:solidFill>
+                  <a:srgbClr val="000066"/>
+                </a:solidFill>
+                <a:latin typeface="Microsoft JhengHei" pitchFamily="34" charset="-120"/>
+                <a:ea typeface="Microsoft JhengHei" pitchFamily="34" charset="-120"/>
+              </a:rPr>
+              <a:t>耀</a:t>
+            </a:r>
+            <a:endParaRPr lang="en-US" altLang="zh-CN" sz="6400" b="1" dirty="0">
+              <a:solidFill>
+                <a:srgbClr val="000066"/>
+              </a:solidFill>
+              <a:latin typeface="Microsoft JhengHei" pitchFamily="34" charset="-120"/>
+              <a:ea typeface="Microsoft JhengHei" pitchFamily="34" charset="-120"/>
+            </a:endParaRPr>
+          </a:p>
+        </p:txBody>
+      </p:sp>
+      <p:sp>
+        <p:nvSpPr>
+          <p:cNvPr id="3" name="TextBox 2"/>
+          <p:cNvSpPr txBox="1"/>
+          <p:nvPr/>
         </p:nvSpPr>
         <p:spPr>
           <a:xfrm>
-            <a:off x="0" y="1600201"/>
-            <a:ext cx="12192000" cy="5257799"/>
-          </a:xfrm>
-        </p:spPr>
-        <p:txBody>
-          <a:bodyPr>
-            <a:normAutofit/>
-          </a:bodyPr>
-          <a:lstStyle/>
-          <a:p>
-            <a:pPr marL="0" indent="0" algn="ctr">
-              <a:buNone/>
-            </a:pPr>
-            <a:r>
-              <a:rPr lang="zh-CN" altLang="en-US" sz="5400" b="1" dirty="0">
-                <a:solidFill>
-                  <a:srgbClr val="002060"/>
-                </a:solidFill>
-                <a:latin typeface="Microsoft JhengHei" panose="020B0604030504040204" pitchFamily="34" charset="-120"/>
-                <a:ea typeface="Microsoft JhengHei" panose="020B0604030504040204" pitchFamily="34" charset="-120"/>
-              </a:rPr>
-              <a:t>耶穌比全世界更</a:t>
-            </a:r>
-            <a:r>
-              <a:rPr lang="zh-CN" altLang="en-US" sz="5400" b="1" dirty="0" smtClean="0">
-                <a:solidFill>
-                  <a:srgbClr val="002060"/>
-                </a:solidFill>
-                <a:latin typeface="Microsoft JhengHei" panose="020B0604030504040204" pitchFamily="34" charset="-120"/>
-                <a:ea typeface="Microsoft JhengHei" panose="020B0604030504040204" pitchFamily="34" charset="-120"/>
-              </a:rPr>
-              <a:t>寶  急難之時良友</a:t>
-            </a:r>
-            <a:endParaRPr lang="en-US" altLang="zh-CN" sz="5400" b="1" dirty="0" smtClean="0">
-              <a:solidFill>
-                <a:srgbClr val="002060"/>
-              </a:solidFill>
-              <a:latin typeface="Microsoft JhengHei" panose="020B0604030504040204" pitchFamily="34" charset="-120"/>
-              <a:ea typeface="Microsoft JhengHei" panose="020B0604030504040204" pitchFamily="34" charset="-120"/>
-            </a:endParaRPr>
-          </a:p>
-          <a:p>
-            <a:pPr marL="0" indent="0" algn="ctr">
-              <a:buNone/>
-            </a:pPr>
-            <a:r>
-              <a:rPr lang="zh-CN" altLang="en-US" sz="5400" b="1" dirty="0">
-                <a:solidFill>
-                  <a:srgbClr val="002060"/>
-                </a:solidFill>
-                <a:latin typeface="Microsoft JhengHei" panose="020B0604030504040204" pitchFamily="34" charset="-120"/>
-                <a:ea typeface="Microsoft JhengHei" panose="020B0604030504040204" pitchFamily="34" charset="-120"/>
-              </a:rPr>
-              <a:t>恩</a:t>
-            </a:r>
-            <a:r>
-              <a:rPr lang="zh-CN" altLang="en-US" sz="5400" b="1" dirty="0" smtClean="0">
-                <a:solidFill>
-                  <a:srgbClr val="002060"/>
-                </a:solidFill>
-                <a:latin typeface="Microsoft JhengHei" panose="020B0604030504040204" pitchFamily="34" charset="-120"/>
-                <a:ea typeface="Microsoft JhengHei" panose="020B0604030504040204" pitchFamily="34" charset="-120"/>
-              </a:rPr>
-              <a:t>上加恩難以計算  因我向主祈求</a:t>
-            </a:r>
-            <a:endParaRPr lang="en-US" altLang="zh-CN" sz="5400" b="1" dirty="0" smtClean="0">
-              <a:solidFill>
-                <a:srgbClr val="002060"/>
-              </a:solidFill>
-              <a:latin typeface="Microsoft JhengHei" panose="020B0604030504040204" pitchFamily="34" charset="-120"/>
-              <a:ea typeface="Microsoft JhengHei" panose="020B0604030504040204" pitchFamily="34" charset="-120"/>
-            </a:endParaRPr>
-          </a:p>
-          <a:p>
-            <a:pPr marL="0" indent="0" algn="ctr">
-              <a:buNone/>
-            </a:pPr>
-            <a:r>
-              <a:rPr lang="zh-CN" altLang="en-US" sz="5400" b="1" dirty="0" smtClean="0">
-                <a:solidFill>
-                  <a:srgbClr val="002060"/>
-                </a:solidFill>
-                <a:latin typeface="Microsoft JhengHei" panose="020B0604030504040204" pitchFamily="34" charset="-120"/>
-                <a:ea typeface="Microsoft JhengHei" panose="020B0604030504040204" pitchFamily="34" charset="-120"/>
-              </a:rPr>
-              <a:t>主賜日光又施甘霖</a:t>
-            </a:r>
-            <a:endParaRPr lang="en-US" altLang="zh-CN" sz="5400" b="1" dirty="0" smtClean="0">
-              <a:solidFill>
-                <a:srgbClr val="002060"/>
-              </a:solidFill>
-              <a:latin typeface="Microsoft JhengHei" panose="020B0604030504040204" pitchFamily="34" charset="-120"/>
-              <a:ea typeface="Microsoft JhengHei" panose="020B0604030504040204" pitchFamily="34" charset="-120"/>
-            </a:endParaRPr>
-          </a:p>
-          <a:p>
-            <a:pPr marL="0" indent="0" algn="ctr">
-              <a:buNone/>
-            </a:pPr>
-            <a:r>
-              <a:rPr lang="zh-CN" altLang="en-US" sz="5400" b="1" dirty="0">
-                <a:solidFill>
-                  <a:srgbClr val="002060"/>
-                </a:solidFill>
-                <a:ea typeface="Microsoft JhengHei" panose="020B0604030504040204" pitchFamily="34" charset="-120"/>
-              </a:rPr>
-              <a:t>主使禾田金</a:t>
-            </a:r>
-            <a:r>
-              <a:rPr lang="zh-CN" altLang="en-US" sz="5400" b="1" dirty="0" smtClean="0">
-                <a:solidFill>
-                  <a:srgbClr val="002060"/>
-                </a:solidFill>
-                <a:ea typeface="Microsoft JhengHei" panose="020B0604030504040204" pitchFamily="34" charset="-120"/>
-              </a:rPr>
-              <a:t>穀豐盈</a:t>
-            </a:r>
-            <a:endParaRPr lang="en-US" altLang="zh-CN" sz="5400" b="1" dirty="0" smtClean="0">
-              <a:solidFill>
-                <a:srgbClr val="002060"/>
-              </a:solidFill>
-              <a:ea typeface="Microsoft JhengHei" panose="020B0604030504040204" pitchFamily="34" charset="-120"/>
-            </a:endParaRPr>
-          </a:p>
-          <a:p>
-            <a:pPr marL="0" indent="0" algn="ctr">
-              <a:buNone/>
-            </a:pPr>
-            <a:r>
-              <a:rPr lang="zh-CN" altLang="en-US" sz="5400" b="1" dirty="0">
-                <a:solidFill>
-                  <a:srgbClr val="002060"/>
-                </a:solidFill>
-                <a:ea typeface="Microsoft JhengHei" panose="020B0604030504040204" pitchFamily="34" charset="-120"/>
-              </a:rPr>
-              <a:t>日</a:t>
-            </a:r>
-            <a:r>
-              <a:rPr lang="zh-CN" altLang="en-US" sz="5400" b="1" dirty="0" smtClean="0">
-                <a:solidFill>
-                  <a:srgbClr val="002060"/>
-                </a:solidFill>
-                <a:ea typeface="Microsoft JhengHei" panose="020B0604030504040204" pitchFamily="34" charset="-120"/>
-              </a:rPr>
-              <a:t>光甘霖  大好收成  主是我友</a:t>
-            </a:r>
-            <a:endParaRPr lang="vi-VN" sz="5400" b="1" dirty="0">
-              <a:solidFill>
-                <a:srgbClr val="002060"/>
-              </a:solidFill>
-              <a:ea typeface="Microsoft JhengHei" panose="020B0604030504040204" pitchFamily="34" charset="-120"/>
-            </a:endParaRPr>
-          </a:p>
-        </p:txBody>
-      </p:sp>
-      <p:sp>
-        <p:nvSpPr>
-          <p:cNvPr id="4" name="TextBox 3"/>
-          <p:cNvSpPr txBox="1"/>
-          <p:nvPr/>
-        </p:nvSpPr>
-        <p:spPr>
-          <a:xfrm>
-            <a:off x="152400" y="1704373"/>
-            <a:ext cx="914400" cy="923330"/>
+            <a:off x="0" y="5061183"/>
+            <a:ext cx="12192000" cy="830997"/>
           </a:xfrm>
           <a:prstGeom prst="rect">
             <a:avLst/>
@@ -3618,25 +4699,18 @@
           </a:bodyPr>
           <a:lstStyle/>
           <a:p>
-            <a:r>
-              <a:rPr lang="en-US" sz="5400" b="1" dirty="0">
-                <a:solidFill>
-                  <a:srgbClr val="002060"/>
-                </a:solidFill>
-              </a:rPr>
-              <a:t>2</a:t>
-            </a:r>
-            <a:r>
-              <a:rPr lang="en-US" sz="5400" b="1" dirty="0" smtClean="0">
-                <a:solidFill>
-                  <a:srgbClr val="002060"/>
-                </a:solidFill>
-              </a:rPr>
-              <a:t>.</a:t>
-            </a:r>
-            <a:endParaRPr lang="vi-VN" sz="5400" b="1" dirty="0">
+            <a:pPr algn="ctr"/>
+            <a:r>
+              <a:rPr lang="en-US" sz="4800" b="1" dirty="0">
+                <a:solidFill>
+                  <a:srgbClr val="000066"/>
+                </a:solidFill>
+              </a:rPr>
+              <a:t>( 1 )</a:t>
+            </a:r>
+            <a:endParaRPr lang="vi-VN" sz="4800" b="1" dirty="0">
               <a:solidFill>
-                <a:srgbClr val="002060"/>
+                <a:srgbClr val="000066"/>
               </a:solidFill>
             </a:endParaRPr>
           </a:p>
@@ -3645,13 +4719,20 @@
     </p:spTree>
     <p:extLst>
       <p:ext uri="{BB962C8B-B14F-4D97-AF65-F5344CB8AC3E}">
-        <p14:creationId xmlns:p14="http://schemas.microsoft.com/office/powerpoint/2010/main" val="1307122699"/>
+        <p14:creationId xmlns:p14="http://schemas.microsoft.com/office/powerpoint/2010/main" val="1907784627"/>
       </p:ext>
     </p:extLst>
   </p:cSld>
   <p:clrMapOvr>
     <a:masterClrMapping/>
   </p:clrMapOvr>
+  <p:timing>
+    <p:tnLst>
+      <p:par>
+        <p:cTn id="1" dur="indefinite" restart="never" nodeType="tmRoot"/>
+      </p:par>
+    </p:tnLst>
+  </p:timing>
 </p:sld>
 </file>
 
@@ -3674,249 +4755,111 @@
       </p:grpSpPr>
       <p:sp>
         <p:nvSpPr>
-          <p:cNvPr id="2" name="Title 1"/>
-          <p:cNvSpPr>
-            <a:spLocks noGrp="1"/>
-          </p:cNvSpPr>
-          <p:nvPr>
-            <p:ph type="title"/>
-          </p:nvPr>
-        </p:nvSpPr>
-        <p:spPr/>
-        <p:txBody>
-          <a:bodyPr>
+          <p:cNvPr id="5" name="內容版面配置區 4"/>
+          <p:cNvSpPr>
+            <a:spLocks noGrp="1"/>
+          </p:cNvSpPr>
+          <p:nvPr>
+            <p:ph idx="1"/>
+          </p:nvPr>
+        </p:nvSpPr>
+        <p:spPr>
+          <a:xfrm>
+            <a:off x="0" y="2084853"/>
+            <a:ext cx="12192000" cy="2404863"/>
+          </a:xfrm>
+        </p:spPr>
+        <p:txBody>
+          <a:bodyPr anchor="ctr">
             <a:normAutofit/>
           </a:bodyPr>
           <a:lstStyle/>
           <a:p>
-            <a:r>
-              <a:rPr lang="zh-CN" altLang="en-US" sz="4800" b="1" dirty="0" smtClean="0">
-                <a:solidFill>
-                  <a:srgbClr val="002060"/>
-                </a:solidFill>
-                <a:latin typeface="Microsoft JhengHei" panose="020B0604030504040204" pitchFamily="34" charset="-120"/>
-                <a:ea typeface="Microsoft JhengHei" panose="020B0604030504040204" pitchFamily="34" charset="-120"/>
-              </a:rPr>
-              <a:t>耶穌比全世界更寶</a:t>
-            </a:r>
-            <a:endParaRPr lang="vi-VN" sz="4800" b="1" dirty="0">
+            <a:pPr marL="0" indent="0" algn="ctr">
+              <a:buNone/>
+            </a:pPr>
+            <a:r>
+              <a:rPr lang="zh-CN" altLang="en-US" sz="6400" b="1" dirty="0">
+                <a:solidFill>
+                  <a:srgbClr val="000066"/>
+                </a:solidFill>
+                <a:latin typeface="Microsoft JhengHei" pitchFamily="34" charset="-120"/>
+                <a:ea typeface="Microsoft JhengHei" pitchFamily="34" charset="-120"/>
+              </a:rPr>
+              <a:t>主</a:t>
+            </a:r>
+            <a:r>
+              <a:rPr lang="zh-CN" altLang="en-US" sz="6400" b="1" dirty="0">
+                <a:solidFill>
+                  <a:srgbClr val="000066"/>
+                </a:solidFill>
+                <a:latin typeface="Microsoft JhengHei" pitchFamily="34" charset="-120"/>
+                <a:ea typeface="Microsoft JhengHei" pitchFamily="34" charset="-120"/>
+              </a:rPr>
+              <a:t>是我的隨時力</a:t>
+            </a:r>
+            <a:r>
+              <a:rPr lang="zh-CN" altLang="en-US" sz="6400" b="1" dirty="0">
+                <a:solidFill>
+                  <a:srgbClr val="000066"/>
+                </a:solidFill>
+                <a:latin typeface="Microsoft JhengHei" pitchFamily="34" charset="-120"/>
+                <a:ea typeface="Microsoft JhengHei" pitchFamily="34" charset="-120"/>
+              </a:rPr>
+              <a:t>量</a:t>
+            </a:r>
+            <a:endParaRPr lang="en-US" altLang="zh-CN" sz="6400" b="1" dirty="0">
               <a:solidFill>
-                <a:srgbClr val="002060"/>
+                <a:srgbClr val="000066"/>
               </a:solidFill>
-              <a:ea typeface="Microsoft JhengHei" panose="020B0604030504040204" pitchFamily="34" charset="-120"/>
+              <a:latin typeface="Microsoft JhengHei" pitchFamily="34" charset="-120"/>
+              <a:ea typeface="Microsoft JhengHei" pitchFamily="34" charset="-120"/>
             </a:endParaRPr>
           </a:p>
-        </p:txBody>
-      </p:sp>
-      <p:sp>
-        <p:nvSpPr>
-          <p:cNvPr id="3" name="Content Placeholder 2"/>
-          <p:cNvSpPr>
-            <a:spLocks noGrp="1"/>
-          </p:cNvSpPr>
-          <p:nvPr>
-            <p:ph idx="1"/>
-          </p:nvPr>
+          <a:p>
+            <a:pPr marL="0" indent="0" algn="ctr">
+              <a:buNone/>
+            </a:pPr>
+            <a:r>
+              <a:rPr lang="zh-CN" altLang="en-US" sz="6400" b="1" dirty="0">
+                <a:solidFill>
+                  <a:srgbClr val="000066"/>
+                </a:solidFill>
+                <a:latin typeface="Microsoft JhengHei" pitchFamily="34" charset="-120"/>
+                <a:ea typeface="Microsoft JhengHei" pitchFamily="34" charset="-120"/>
+              </a:rPr>
+              <a:t>離</a:t>
+            </a:r>
+            <a:r>
+              <a:rPr lang="zh-CN" altLang="en-US" sz="6400" b="1" dirty="0">
+                <a:solidFill>
+                  <a:srgbClr val="000066"/>
+                </a:solidFill>
+                <a:latin typeface="Microsoft JhengHei" pitchFamily="34" charset="-120"/>
+                <a:ea typeface="Microsoft JhengHei" pitchFamily="34" charset="-120"/>
+              </a:rPr>
+              <a:t>主我必跌倒</a:t>
+            </a:r>
+            <a:endParaRPr lang="en-US" altLang="zh-CN" sz="6400" b="1" dirty="0">
+              <a:solidFill>
+                <a:srgbClr val="000066"/>
+              </a:solidFill>
+              <a:latin typeface="Microsoft JhengHei" pitchFamily="34" charset="-120"/>
+              <a:ea typeface="Microsoft JhengHei" pitchFamily="34" charset="-120"/>
+            </a:endParaRPr>
+          </a:p>
+        </p:txBody>
+      </p:sp>
+      <p:sp>
+        <p:nvSpPr>
+          <p:cNvPr id="3" name="TextBox 2"/>
+          <p:cNvSpPr txBox="1"/>
+          <p:nvPr/>
         </p:nvSpPr>
         <p:spPr>
           <a:xfrm>
-            <a:off x="0" y="1600201"/>
-            <a:ext cx="12192000" cy="5257799"/>
-          </a:xfrm>
-        </p:spPr>
-        <p:txBody>
-          <a:bodyPr>
-            <a:normAutofit/>
-          </a:bodyPr>
-          <a:lstStyle/>
-          <a:p>
-            <a:pPr marL="0" indent="0" algn="ctr">
-              <a:buNone/>
-            </a:pPr>
-            <a:r>
-              <a:rPr lang="zh-CN" altLang="en-US" sz="5400" b="1" dirty="0">
-                <a:solidFill>
-                  <a:srgbClr val="002060"/>
-                </a:solidFill>
-                <a:latin typeface="Microsoft JhengHei" panose="020B0604030504040204" pitchFamily="34" charset="-120"/>
-                <a:ea typeface="Microsoft JhengHei" panose="020B0604030504040204" pitchFamily="34" charset="-120"/>
-              </a:rPr>
-              <a:t>耶穌比全世界更</a:t>
-            </a:r>
-            <a:r>
-              <a:rPr lang="zh-CN" altLang="en-US" sz="5400" b="1" dirty="0" smtClean="0">
-                <a:solidFill>
-                  <a:srgbClr val="002060"/>
-                </a:solidFill>
-                <a:latin typeface="Microsoft JhengHei" panose="020B0604030504040204" pitchFamily="34" charset="-120"/>
-                <a:ea typeface="Microsoft JhengHei" panose="020B0604030504040204" pitchFamily="34" charset="-120"/>
-              </a:rPr>
-              <a:t>寶  我要忠誠待主</a:t>
-            </a:r>
-            <a:endParaRPr lang="en-US" altLang="zh-CN" sz="5400" b="1" dirty="0" smtClean="0">
-              <a:solidFill>
-                <a:srgbClr val="002060"/>
-              </a:solidFill>
-              <a:latin typeface="Microsoft JhengHei" panose="020B0604030504040204" pitchFamily="34" charset="-120"/>
-              <a:ea typeface="Microsoft JhengHei" panose="020B0604030504040204" pitchFamily="34" charset="-120"/>
-            </a:endParaRPr>
-          </a:p>
-          <a:p>
-            <a:pPr marL="0" indent="0" algn="ctr">
-              <a:buNone/>
-            </a:pPr>
-            <a:r>
-              <a:rPr lang="zh-CN" altLang="en-US" sz="5400" b="1" dirty="0">
-                <a:solidFill>
-                  <a:srgbClr val="002060"/>
-                </a:solidFill>
-                <a:latin typeface="Microsoft JhengHei" panose="020B0604030504040204" pitchFamily="34" charset="-120"/>
-                <a:ea typeface="Microsoft JhengHei" panose="020B0604030504040204" pitchFamily="34" charset="-120"/>
-              </a:rPr>
-              <a:t>我</a:t>
-            </a:r>
-            <a:r>
-              <a:rPr lang="zh-CN" altLang="en-US" sz="5400" b="1" dirty="0" smtClean="0">
-                <a:solidFill>
-                  <a:srgbClr val="002060"/>
-                </a:solidFill>
-                <a:latin typeface="Microsoft JhengHei" panose="020B0604030504040204" pitchFamily="34" charset="-120"/>
-                <a:ea typeface="Microsoft JhengHei" panose="020B0604030504040204" pitchFamily="34" charset="-120"/>
-              </a:rPr>
-              <a:t>主於我何等誠實  我又何忍負主</a:t>
-            </a:r>
-            <a:endParaRPr lang="en-US" altLang="zh-CN" sz="5400" b="1" dirty="0" smtClean="0">
-              <a:solidFill>
-                <a:srgbClr val="002060"/>
-              </a:solidFill>
-              <a:latin typeface="Microsoft JhengHei" panose="020B0604030504040204" pitchFamily="34" charset="-120"/>
-              <a:ea typeface="Microsoft JhengHei" panose="020B0604030504040204" pitchFamily="34" charset="-120"/>
-            </a:endParaRPr>
-          </a:p>
-          <a:p>
-            <a:pPr marL="0" indent="0" algn="ctr">
-              <a:buNone/>
-            </a:pPr>
-            <a:r>
-              <a:rPr lang="zh-CN" altLang="en-US" sz="5400" b="1" dirty="0" smtClean="0">
-                <a:solidFill>
-                  <a:srgbClr val="002060"/>
-                </a:solidFill>
-                <a:latin typeface="Microsoft JhengHei" panose="020B0604030504040204" pitchFamily="34" charset="-120"/>
-                <a:ea typeface="Microsoft JhengHei" panose="020B0604030504040204" pitchFamily="34" charset="-120"/>
-              </a:rPr>
-              <a:t>步主後塵我可安心</a:t>
-            </a:r>
-            <a:endParaRPr lang="en-US" altLang="zh-CN" sz="5400" b="1" dirty="0" smtClean="0">
-              <a:solidFill>
-                <a:srgbClr val="002060"/>
-              </a:solidFill>
-              <a:latin typeface="Microsoft JhengHei" panose="020B0604030504040204" pitchFamily="34" charset="-120"/>
-              <a:ea typeface="Microsoft JhengHei" panose="020B0604030504040204" pitchFamily="34" charset="-120"/>
-            </a:endParaRPr>
-          </a:p>
-          <a:p>
-            <a:pPr marL="0" indent="0" algn="ctr">
-              <a:buNone/>
-            </a:pPr>
-            <a:r>
-              <a:rPr lang="zh-CN" altLang="en-US" sz="5400" b="1" dirty="0">
-                <a:solidFill>
-                  <a:srgbClr val="002060"/>
-                </a:solidFill>
-                <a:latin typeface="Microsoft JhengHei" panose="020B0604030504040204" pitchFamily="34" charset="-120"/>
-                <a:ea typeface="Microsoft JhengHei" panose="020B0604030504040204" pitchFamily="34" charset="-120"/>
-              </a:rPr>
-              <a:t>仰</a:t>
-            </a:r>
-            <a:r>
-              <a:rPr lang="zh-CN" altLang="en-US" sz="5400" b="1" dirty="0" smtClean="0">
-                <a:solidFill>
-                  <a:srgbClr val="002060"/>
-                </a:solidFill>
-                <a:latin typeface="Microsoft JhengHei" panose="020B0604030504040204" pitchFamily="34" charset="-120"/>
-                <a:ea typeface="Microsoft JhengHei" panose="020B0604030504040204" pitchFamily="34" charset="-120"/>
-              </a:rPr>
-              <a:t>望十架時刻儆醒</a:t>
-            </a:r>
-            <a:endParaRPr lang="en-US" altLang="zh-CN" sz="5400" b="1" dirty="0" smtClean="0">
-              <a:solidFill>
-                <a:srgbClr val="002060"/>
-              </a:solidFill>
-              <a:latin typeface="Microsoft JhengHei" panose="020B0604030504040204" pitchFamily="34" charset="-120"/>
-              <a:ea typeface="Microsoft JhengHei" panose="020B0604030504040204" pitchFamily="34" charset="-120"/>
-            </a:endParaRPr>
-          </a:p>
-          <a:p>
-            <a:pPr marL="0" indent="0" algn="ctr">
-              <a:buNone/>
-            </a:pPr>
-            <a:r>
-              <a:rPr lang="zh-CN" altLang="en-US" sz="5400" b="1" dirty="0">
-                <a:solidFill>
-                  <a:srgbClr val="002060"/>
-                </a:solidFill>
-                <a:latin typeface="Microsoft JhengHei" panose="020B0604030504040204" pitchFamily="34" charset="-120"/>
-                <a:ea typeface="Microsoft JhengHei" panose="020B0604030504040204" pitchFamily="34" charset="-120"/>
-              </a:rPr>
-              <a:t>跟</a:t>
-            </a:r>
-            <a:r>
-              <a:rPr lang="zh-CN" altLang="en-US" sz="5400" b="1" dirty="0" smtClean="0">
-                <a:solidFill>
-                  <a:srgbClr val="002060"/>
-                </a:solidFill>
-                <a:latin typeface="Microsoft JhengHei" panose="020B0604030504040204" pitchFamily="34" charset="-120"/>
-                <a:ea typeface="Microsoft JhengHei" panose="020B0604030504040204" pitchFamily="34" charset="-120"/>
-              </a:rPr>
-              <a:t>從主行  或夜或明  </a:t>
-            </a:r>
-            <a:r>
-              <a:rPr lang="zh-CN" altLang="en-US" sz="5400" b="1" dirty="0" smtClean="0">
-                <a:solidFill>
-                  <a:srgbClr val="002060"/>
-                </a:solidFill>
-                <a:ea typeface="Microsoft JhengHei" panose="020B0604030504040204" pitchFamily="34" charset="-120"/>
-              </a:rPr>
-              <a:t>主</a:t>
-            </a:r>
-            <a:r>
-              <a:rPr lang="zh-CN" altLang="en-US" sz="5400" b="1" dirty="0">
-                <a:solidFill>
-                  <a:srgbClr val="002060"/>
-                </a:solidFill>
-                <a:ea typeface="Microsoft JhengHei" panose="020B0604030504040204" pitchFamily="34" charset="-120"/>
-              </a:rPr>
-              <a:t>是我</a:t>
-            </a:r>
-            <a:r>
-              <a:rPr lang="zh-CN" altLang="en-US" sz="5400" b="1" dirty="0" smtClean="0">
-                <a:solidFill>
-                  <a:srgbClr val="002060"/>
-                </a:solidFill>
-                <a:ea typeface="Microsoft JhengHei" panose="020B0604030504040204" pitchFamily="34" charset="-120"/>
-              </a:rPr>
-              <a:t>友</a:t>
-            </a:r>
-            <a:endParaRPr lang="vi-VN" sz="5400" b="1" dirty="0">
-              <a:solidFill>
-                <a:srgbClr val="002060"/>
-              </a:solidFill>
-              <a:ea typeface="Microsoft JhengHei" panose="020B0604030504040204" pitchFamily="34" charset="-120"/>
-            </a:endParaRPr>
-          </a:p>
-        </p:txBody>
-      </p:sp>
-      <p:sp>
-        <p:nvSpPr>
-          <p:cNvPr id="4" name="TextBox 3"/>
-          <p:cNvSpPr txBox="1"/>
-          <p:nvPr/>
-        </p:nvSpPr>
-        <p:spPr>
-          <a:xfrm>
-            <a:off x="152400" y="1704373"/>
-            <a:ext cx="914400" cy="923330"/>
+            <a:off x="0" y="5061183"/>
+            <a:ext cx="12192000" cy="830997"/>
           </a:xfrm>
           <a:prstGeom prst="rect">
             <a:avLst/>
@@ -3929,17 +4872,18 @@
           </a:bodyPr>
           <a:lstStyle/>
           <a:p>
-            <a:r>
-              <a:rPr lang="en-US" sz="5400" b="1" dirty="0" smtClean="0">
-                <a:solidFill>
-                  <a:srgbClr val="002060"/>
-                </a:solidFill>
-              </a:rPr>
-              <a:t>3.</a:t>
-            </a:r>
-            <a:endParaRPr lang="vi-VN" sz="5400" b="1" dirty="0">
+            <a:pPr algn="ctr"/>
+            <a:r>
+              <a:rPr lang="en-US" sz="4800" b="1" dirty="0">
+                <a:solidFill>
+                  <a:srgbClr val="000066"/>
+                </a:solidFill>
+              </a:rPr>
+              <a:t>( 1 )</a:t>
+            </a:r>
+            <a:endParaRPr lang="vi-VN" sz="4800" b="1" dirty="0">
               <a:solidFill>
-                <a:srgbClr val="002060"/>
+                <a:srgbClr val="000066"/>
               </a:solidFill>
             </a:endParaRPr>
           </a:p>
@@ -3948,13 +4892,20 @@
     </p:spTree>
     <p:extLst>
       <p:ext uri="{BB962C8B-B14F-4D97-AF65-F5344CB8AC3E}">
-        <p14:creationId xmlns:p14="http://schemas.microsoft.com/office/powerpoint/2010/main" val="3404580748"/>
+        <p14:creationId xmlns:p14="http://schemas.microsoft.com/office/powerpoint/2010/main" val="1629725186"/>
       </p:ext>
     </p:extLst>
   </p:cSld>
   <p:clrMapOvr>
     <a:masterClrMapping/>
   </p:clrMapOvr>
+  <p:timing>
+    <p:tnLst>
+      <p:par>
+        <p:cTn id="1" dur="indefinite" restart="never" nodeType="tmRoot"/>
+      </p:par>
+    </p:tnLst>
+  </p:timing>
 </p:sld>
 </file>
 
@@ -3977,88 +4928,42 @@
       </p:grpSpPr>
       <p:sp>
         <p:nvSpPr>
-          <p:cNvPr id="2" name="Title 1"/>
-          <p:cNvSpPr>
-            <a:spLocks noGrp="1"/>
-          </p:cNvSpPr>
-          <p:nvPr>
-            <p:ph type="title"/>
-          </p:nvPr>
-        </p:nvSpPr>
-        <p:spPr/>
-        <p:txBody>
-          <a:bodyPr>
+          <p:cNvPr id="5" name="內容版面配置區 4"/>
+          <p:cNvSpPr>
+            <a:spLocks noGrp="1"/>
+          </p:cNvSpPr>
+          <p:nvPr>
+            <p:ph idx="1"/>
+          </p:nvPr>
+        </p:nvSpPr>
+        <p:spPr>
+          <a:xfrm>
+            <a:off x="0" y="2084853"/>
+            <a:ext cx="12192000" cy="2404863"/>
+          </a:xfrm>
+        </p:spPr>
+        <p:txBody>
+          <a:bodyPr anchor="ctr">
             <a:normAutofit/>
           </a:bodyPr>
           <a:lstStyle/>
           <a:p>
-            <a:r>
-              <a:rPr lang="zh-CN" altLang="en-US" sz="4800" b="1" dirty="0" smtClean="0">
-                <a:solidFill>
-                  <a:srgbClr val="002060"/>
+            <a:pPr marL="0" indent="0" algn="ctr">
+              <a:buNone/>
+            </a:pPr>
+            <a:r>
+              <a:rPr lang="zh-CN" altLang="en-US" sz="6400" b="1" dirty="0">
+                <a:solidFill>
+                  <a:srgbClr val="000066"/>
                 </a:solidFill>
                 <a:latin typeface="Microsoft JhengHei" panose="020B0604030504040204" pitchFamily="34" charset="-120"/>
                 <a:ea typeface="Microsoft JhengHei" panose="020B0604030504040204" pitchFamily="34" charset="-120"/>
               </a:rPr>
-              <a:t>耶穌比全世界更寶</a:t>
-            </a:r>
-            <a:endParaRPr lang="vi-VN" sz="4800" b="1" dirty="0">
+              <a:t>當我受苦來就耶穌</a:t>
+            </a:r>
+            <a:endParaRPr lang="en-US" altLang="zh-CN" sz="6400" b="1" dirty="0">
               <a:solidFill>
-                <a:srgbClr val="002060"/>
-              </a:solidFill>
-              <a:ea typeface="Microsoft JhengHei" panose="020B0604030504040204" pitchFamily="34" charset="-120"/>
-            </a:endParaRPr>
-          </a:p>
-        </p:txBody>
-      </p:sp>
-      <p:sp>
-        <p:nvSpPr>
-          <p:cNvPr id="3" name="Content Placeholder 2"/>
-          <p:cNvSpPr>
-            <a:spLocks noGrp="1"/>
-          </p:cNvSpPr>
-          <p:nvPr>
-            <p:ph idx="1"/>
-          </p:nvPr>
-        </p:nvSpPr>
-        <p:spPr>
-          <a:xfrm>
-            <a:off x="0" y="1600201"/>
-            <a:ext cx="12192000" cy="5257799"/>
-          </a:xfrm>
-        </p:spPr>
-        <p:txBody>
-          <a:bodyPr>
-            <a:normAutofit/>
-          </a:bodyPr>
-          <a:lstStyle/>
-          <a:p>
-            <a:pPr marL="0" indent="0" algn="ctr">
-              <a:buNone/>
-            </a:pPr>
-            <a:r>
-              <a:rPr lang="zh-CN" altLang="en-US" sz="5400" b="1" dirty="0">
-                <a:solidFill>
-                  <a:srgbClr val="002060"/>
-                </a:solidFill>
-                <a:latin typeface="Microsoft JhengHei" panose="020B0604030504040204" pitchFamily="34" charset="-120"/>
-                <a:ea typeface="Microsoft JhengHei" panose="020B0604030504040204" pitchFamily="34" charset="-120"/>
-              </a:rPr>
-              <a:t>耶穌比全世界更</a:t>
-            </a:r>
-            <a:r>
-              <a:rPr lang="zh-CN" altLang="en-US" sz="5400" b="1" dirty="0" smtClean="0">
-                <a:solidFill>
-                  <a:srgbClr val="002060"/>
-                </a:solidFill>
-                <a:latin typeface="Microsoft JhengHei" panose="020B0604030504040204" pitchFamily="34" charset="-120"/>
-                <a:ea typeface="Microsoft JhengHei" panose="020B0604030504040204" pitchFamily="34" charset="-120"/>
-              </a:rPr>
-              <a:t>寶  此外無所愛慕</a:t>
-            </a:r>
-            <a:endParaRPr lang="en-US" altLang="zh-CN" sz="5400" b="1" dirty="0" smtClean="0">
-              <a:solidFill>
-                <a:srgbClr val="002060"/>
+                <a:srgbClr val="000066"/>
               </a:solidFill>
               <a:latin typeface="Microsoft JhengHei" panose="020B0604030504040204" pitchFamily="34" charset="-120"/>
               <a:ea typeface="Microsoft JhengHei" panose="020B0604030504040204" pitchFamily="34" charset="-120"/>
@@ -4069,128 +4974,35 @@
               <a:buNone/>
             </a:pPr>
             <a:r>
-              <a:rPr lang="zh-CN" altLang="en-US" sz="5400" b="1" dirty="0" smtClean="0">
-                <a:solidFill>
-                  <a:srgbClr val="002060"/>
+              <a:rPr lang="zh-CN" altLang="en-US" sz="6400" b="1" dirty="0">
+                <a:solidFill>
+                  <a:srgbClr val="000066"/>
                 </a:solidFill>
                 <a:latin typeface="Microsoft JhengHei" panose="020B0604030504040204" pitchFamily="34" charset="-120"/>
                 <a:ea typeface="Microsoft JhengHei" panose="020B0604030504040204" pitchFamily="34" charset="-120"/>
               </a:rPr>
-              <a:t>我信靠主時時靠主  無論遇福受苦</a:t>
-            </a:r>
-            <a:endParaRPr lang="en-US" altLang="zh-CN" sz="5400" b="1" dirty="0" smtClean="0">
+              <a:t>無人似他如此安撫</a:t>
+            </a:r>
+            <a:endParaRPr lang="en-US" altLang="zh-CN" sz="6400" b="1" dirty="0">
               <a:solidFill>
-                <a:srgbClr val="002060"/>
+                <a:srgbClr val="000066"/>
               </a:solidFill>
               <a:latin typeface="Microsoft JhengHei" panose="020B0604030504040204" pitchFamily="34" charset="-120"/>
               <a:ea typeface="Microsoft JhengHei" panose="020B0604030504040204" pitchFamily="34" charset="-120"/>
             </a:endParaRPr>
           </a:p>
-          <a:p>
-            <a:pPr marL="0" indent="0" algn="ctr">
-              <a:buNone/>
-            </a:pPr>
-            <a:r>
-              <a:rPr lang="zh-CN" altLang="en-US" sz="5400" b="1" dirty="0" smtClean="0">
-                <a:solidFill>
-                  <a:srgbClr val="002060"/>
-                </a:solidFill>
-                <a:latin typeface="Microsoft JhengHei" panose="020B0604030504040204" pitchFamily="34" charset="-120"/>
-                <a:ea typeface="Microsoft JhengHei" panose="020B0604030504040204" pitchFamily="34" charset="-120"/>
-              </a:rPr>
-              <a:t>得此良友慰此一生</a:t>
-            </a:r>
-            <a:endParaRPr lang="en-US" altLang="zh-CN" sz="5400" b="1" dirty="0" smtClean="0">
-              <a:solidFill>
-                <a:srgbClr val="002060"/>
-              </a:solidFill>
-              <a:latin typeface="Microsoft JhengHei" panose="020B0604030504040204" pitchFamily="34" charset="-120"/>
-              <a:ea typeface="Microsoft JhengHei" panose="020B0604030504040204" pitchFamily="34" charset="-120"/>
-            </a:endParaRPr>
-          </a:p>
-          <a:p>
-            <a:pPr marL="0" indent="0" algn="ctr">
-              <a:buNone/>
-            </a:pPr>
-            <a:r>
-              <a:rPr lang="zh-CN" altLang="en-US" sz="5400" b="1" dirty="0" smtClean="0">
-                <a:solidFill>
-                  <a:srgbClr val="002060"/>
-                </a:solidFill>
-                <a:latin typeface="Microsoft JhengHei" panose="020B0604030504040204" pitchFamily="34" charset="-120"/>
-                <a:ea typeface="Microsoft JhengHei" panose="020B0604030504040204" pitchFamily="34" charset="-120"/>
-              </a:rPr>
-              <a:t>與主親近喜樂日增</a:t>
-            </a:r>
-            <a:endParaRPr lang="en-US" altLang="zh-CN" sz="5400" b="1" dirty="0" smtClean="0">
-              <a:solidFill>
-                <a:srgbClr val="002060"/>
-              </a:solidFill>
-              <a:latin typeface="Microsoft JhengHei" panose="020B0604030504040204" pitchFamily="34" charset="-120"/>
-              <a:ea typeface="Microsoft JhengHei" panose="020B0604030504040204" pitchFamily="34" charset="-120"/>
-            </a:endParaRPr>
-          </a:p>
-          <a:p>
-            <a:pPr marL="0" indent="0" algn="ctr">
-              <a:buNone/>
-            </a:pPr>
-            <a:r>
-              <a:rPr lang="zh-CN" altLang="en-US" sz="5400" b="1" dirty="0">
-                <a:solidFill>
-                  <a:srgbClr val="002060"/>
-                </a:solidFill>
-                <a:latin typeface="Microsoft JhengHei" panose="020B0604030504040204" pitchFamily="34" charset="-120"/>
-                <a:ea typeface="Microsoft JhengHei" panose="020B0604030504040204" pitchFamily="34" charset="-120"/>
-              </a:rPr>
-              <a:t>永</a:t>
-            </a:r>
-            <a:r>
-              <a:rPr lang="zh-CN" altLang="en-US" sz="5400" b="1" dirty="0" smtClean="0">
-                <a:solidFill>
-                  <a:srgbClr val="002060"/>
-                </a:solidFill>
-                <a:latin typeface="Microsoft JhengHei" panose="020B0604030504040204" pitchFamily="34" charset="-120"/>
-                <a:ea typeface="Microsoft JhengHei" panose="020B0604030504040204" pitchFamily="34" charset="-120"/>
-              </a:rPr>
-              <a:t>遠喜樂  無窮無盡  </a:t>
-            </a:r>
-            <a:r>
-              <a:rPr lang="zh-CN" altLang="en-US" sz="5400" b="1" dirty="0" smtClean="0">
-                <a:solidFill>
-                  <a:srgbClr val="002060"/>
-                </a:solidFill>
-                <a:ea typeface="Microsoft JhengHei" panose="020B0604030504040204" pitchFamily="34" charset="-120"/>
-              </a:rPr>
-              <a:t>主</a:t>
-            </a:r>
-            <a:r>
-              <a:rPr lang="zh-CN" altLang="en-US" sz="5400" b="1" dirty="0">
-                <a:solidFill>
-                  <a:srgbClr val="002060"/>
-                </a:solidFill>
-                <a:ea typeface="Microsoft JhengHei" panose="020B0604030504040204" pitchFamily="34" charset="-120"/>
-              </a:rPr>
-              <a:t>是我友</a:t>
-            </a:r>
-            <a:endParaRPr lang="vi-VN" sz="5400" b="1" dirty="0">
-              <a:solidFill>
-                <a:srgbClr val="002060"/>
-              </a:solidFill>
-              <a:ea typeface="Microsoft JhengHei" panose="020B0604030504040204" pitchFamily="34" charset="-120"/>
-            </a:endParaRPr>
-          </a:p>
-        </p:txBody>
-      </p:sp>
-      <p:sp>
-        <p:nvSpPr>
-          <p:cNvPr id="4" name="TextBox 3"/>
+        </p:txBody>
+      </p:sp>
+      <p:sp>
+        <p:nvSpPr>
+          <p:cNvPr id="3" name="TextBox 2"/>
           <p:cNvSpPr txBox="1"/>
           <p:nvPr/>
         </p:nvSpPr>
         <p:spPr>
           <a:xfrm>
-            <a:off x="152400" y="1704373"/>
-            <a:ext cx="914400" cy="923330"/>
+            <a:off x="0" y="5061183"/>
+            <a:ext cx="12192000" cy="830997"/>
           </a:xfrm>
           <a:prstGeom prst="rect">
             <a:avLst/>
@@ -4203,25 +5015,18 @@
           </a:bodyPr>
           <a:lstStyle/>
           <a:p>
-            <a:r>
-              <a:rPr lang="en-US" sz="5400" b="1" dirty="0">
-                <a:solidFill>
-                  <a:srgbClr val="002060"/>
-                </a:solidFill>
-              </a:rPr>
-              <a:t>4</a:t>
-            </a:r>
-            <a:r>
-              <a:rPr lang="en-US" sz="5400" b="1" dirty="0" smtClean="0">
-                <a:solidFill>
-                  <a:srgbClr val="002060"/>
-                </a:solidFill>
-              </a:rPr>
-              <a:t>.</a:t>
-            </a:r>
-            <a:endParaRPr lang="vi-VN" sz="5400" b="1" dirty="0">
+            <a:pPr algn="ctr"/>
+            <a:r>
+              <a:rPr lang="en-US" sz="4800" b="1" dirty="0">
+                <a:solidFill>
+                  <a:srgbClr val="000066"/>
+                </a:solidFill>
+              </a:rPr>
+              <a:t>( 1 )</a:t>
+            </a:r>
+            <a:endParaRPr lang="vi-VN" sz="4800" b="1" dirty="0">
               <a:solidFill>
-                <a:srgbClr val="002060"/>
+                <a:srgbClr val="000066"/>
               </a:solidFill>
             </a:endParaRPr>
           </a:p>
@@ -4230,13 +5035,792 @@
     </p:spTree>
     <p:extLst>
       <p:ext uri="{BB962C8B-B14F-4D97-AF65-F5344CB8AC3E}">
-        <p14:creationId xmlns:p14="http://schemas.microsoft.com/office/powerpoint/2010/main" val="3000400274"/>
+        <p14:creationId xmlns:p14="http://schemas.microsoft.com/office/powerpoint/2010/main" val="831211980"/>
       </p:ext>
     </p:extLst>
   </p:cSld>
   <p:clrMapOvr>
     <a:masterClrMapping/>
   </p:clrMapOvr>
+  <p:timing>
+    <p:tnLst>
+      <p:par>
+        <p:cTn id="1" dur="indefinite" restart="never" nodeType="tmRoot"/>
+      </p:par>
+    </p:tnLst>
+  </p:timing>
+</p:sld>
+</file>
+
+<file path=ppt/slides/slide5.xml><?xml version="1.0" encoding="utf-8"?>
+<p:sld xmlns:a="http://schemas.openxmlformats.org/drawingml/2006/main" xmlns:r="http://schemas.openxmlformats.org/officeDocument/2006/relationships" xmlns:p="http://schemas.openxmlformats.org/presentationml/2006/main">
+  <p:cSld>
+    <p:spTree>
+      <p:nvGrpSpPr>
+        <p:cNvPr id="1" name=""/>
+        <p:cNvGrpSpPr/>
+        <p:nvPr/>
+      </p:nvGrpSpPr>
+      <p:grpSpPr>
+        <a:xfrm>
+          <a:off x="0" y="0"/>
+          <a:ext cx="0" cy="0"/>
+          <a:chOff x="0" y="0"/>
+          <a:chExt cx="0" cy="0"/>
+        </a:xfrm>
+      </p:grpSpPr>
+      <p:sp>
+        <p:nvSpPr>
+          <p:cNvPr id="5" name="內容版面配置區 4"/>
+          <p:cNvSpPr>
+            <a:spLocks noGrp="1"/>
+          </p:cNvSpPr>
+          <p:nvPr>
+            <p:ph idx="1"/>
+          </p:nvPr>
+        </p:nvSpPr>
+        <p:spPr>
+          <a:xfrm>
+            <a:off x="0" y="2084853"/>
+            <a:ext cx="12192000" cy="2404863"/>
+          </a:xfrm>
+        </p:spPr>
+        <p:txBody>
+          <a:bodyPr anchor="ctr">
+            <a:normAutofit/>
+          </a:bodyPr>
+          <a:lstStyle/>
+          <a:p>
+            <a:pPr marL="0" indent="0" algn="ctr">
+              <a:buNone/>
+            </a:pPr>
+            <a:r>
+              <a:rPr lang="zh-CN" altLang="en-US" sz="6400" b="1" dirty="0">
+                <a:solidFill>
+                  <a:srgbClr val="000066"/>
+                </a:solidFill>
+                <a:latin typeface="Microsoft JhengHei" panose="020B0604030504040204" pitchFamily="34" charset="-120"/>
+                <a:ea typeface="Microsoft JhengHei" panose="020B0604030504040204" pitchFamily="34" charset="-120"/>
+              </a:rPr>
+              <a:t>使我歡欣  解我心憂</a:t>
+            </a:r>
+            <a:endParaRPr lang="en-US" altLang="zh-CN" sz="6400" b="1" dirty="0">
+              <a:solidFill>
+                <a:srgbClr val="000066"/>
+              </a:solidFill>
+              <a:latin typeface="Microsoft JhengHei" panose="020B0604030504040204" pitchFamily="34" charset="-120"/>
+              <a:ea typeface="Microsoft JhengHei" panose="020B0604030504040204" pitchFamily="34" charset="-120"/>
+            </a:endParaRPr>
+          </a:p>
+          <a:p>
+            <a:pPr marL="0" indent="0" algn="ctr">
+              <a:buNone/>
+            </a:pPr>
+            <a:r>
+              <a:rPr lang="zh-CN" altLang="en-US" sz="6400" b="1" dirty="0">
+                <a:solidFill>
+                  <a:srgbClr val="000066"/>
+                </a:solidFill>
+                <a:latin typeface="Microsoft JhengHei" panose="020B0604030504040204" pitchFamily="34" charset="-120"/>
+                <a:ea typeface="Microsoft JhengHei" panose="020B0604030504040204" pitchFamily="34" charset="-120"/>
+              </a:rPr>
+              <a:t>主是我友</a:t>
+            </a:r>
+            <a:endParaRPr lang="vi-VN" sz="6400" b="1" dirty="0">
+              <a:solidFill>
+                <a:srgbClr val="000066"/>
+              </a:solidFill>
+              <a:ea typeface="Microsoft JhengHei" panose="020B0604030504040204" pitchFamily="34" charset="-120"/>
+            </a:endParaRPr>
+          </a:p>
+        </p:txBody>
+      </p:sp>
+      <p:sp>
+        <p:nvSpPr>
+          <p:cNvPr id="3" name="TextBox 2"/>
+          <p:cNvSpPr txBox="1"/>
+          <p:nvPr/>
+        </p:nvSpPr>
+        <p:spPr>
+          <a:xfrm>
+            <a:off x="0" y="5061183"/>
+            <a:ext cx="12192000" cy="830997"/>
+          </a:xfrm>
+          <a:prstGeom prst="rect">
+            <a:avLst/>
+          </a:prstGeom>
+          <a:noFill/>
+        </p:spPr>
+        <p:txBody>
+          <a:bodyPr wrap="square" rtlCol="0">
+            <a:spAutoFit/>
+          </a:bodyPr>
+          <a:lstStyle/>
+          <a:p>
+            <a:pPr algn="ctr"/>
+            <a:r>
+              <a:rPr lang="en-US" sz="4800" b="1" dirty="0">
+                <a:solidFill>
+                  <a:srgbClr val="000066"/>
+                </a:solidFill>
+              </a:rPr>
+              <a:t>( 1 )</a:t>
+            </a:r>
+            <a:endParaRPr lang="vi-VN" sz="4800" b="1" dirty="0">
+              <a:solidFill>
+                <a:srgbClr val="000066"/>
+              </a:solidFill>
+            </a:endParaRPr>
+          </a:p>
+        </p:txBody>
+      </p:sp>
+    </p:spTree>
+    <p:extLst>
+      <p:ext uri="{BB962C8B-B14F-4D97-AF65-F5344CB8AC3E}">
+        <p14:creationId xmlns:p14="http://schemas.microsoft.com/office/powerpoint/2010/main" val="1707074111"/>
+      </p:ext>
+    </p:extLst>
+  </p:cSld>
+  <p:clrMapOvr>
+    <a:masterClrMapping/>
+  </p:clrMapOvr>
+  <p:timing>
+    <p:tnLst>
+      <p:par>
+        <p:cTn id="1" dur="indefinite" restart="never" nodeType="tmRoot"/>
+      </p:par>
+    </p:tnLst>
+  </p:timing>
+</p:sld>
+</file>
+
+<file path=ppt/slides/slide6.xml><?xml version="1.0" encoding="utf-8"?>
+<p:sld xmlns:a="http://schemas.openxmlformats.org/drawingml/2006/main" xmlns:r="http://schemas.openxmlformats.org/officeDocument/2006/relationships" xmlns:p="http://schemas.openxmlformats.org/presentationml/2006/main">
+  <p:cSld>
+    <p:spTree>
+      <p:nvGrpSpPr>
+        <p:cNvPr id="1" name=""/>
+        <p:cNvGrpSpPr/>
+        <p:nvPr/>
+      </p:nvGrpSpPr>
+      <p:grpSpPr>
+        <a:xfrm>
+          <a:off x="0" y="0"/>
+          <a:ext cx="0" cy="0"/>
+          <a:chOff x="0" y="0"/>
+          <a:chExt cx="0" cy="0"/>
+        </a:xfrm>
+      </p:grpSpPr>
+      <p:sp>
+        <p:nvSpPr>
+          <p:cNvPr id="5" name="內容版面配置區 4"/>
+          <p:cNvSpPr>
+            <a:spLocks noGrp="1"/>
+          </p:cNvSpPr>
+          <p:nvPr>
+            <p:ph idx="1"/>
+          </p:nvPr>
+        </p:nvSpPr>
+        <p:spPr>
+          <a:xfrm>
+            <a:off x="0" y="2084853"/>
+            <a:ext cx="12192000" cy="2404863"/>
+          </a:xfrm>
+        </p:spPr>
+        <p:txBody>
+          <a:bodyPr anchor="ctr">
+            <a:normAutofit/>
+          </a:bodyPr>
+          <a:lstStyle/>
+          <a:p>
+            <a:pPr marL="0" indent="0" algn="ctr">
+              <a:buNone/>
+            </a:pPr>
+            <a:r>
+              <a:rPr lang="zh-CN" altLang="en-US" sz="6400" b="1" dirty="0">
+                <a:solidFill>
+                  <a:srgbClr val="000066"/>
+                </a:solidFill>
+                <a:latin typeface="Microsoft JhengHei" panose="020B0604030504040204" pitchFamily="34" charset="-120"/>
+                <a:ea typeface="Microsoft JhengHei" panose="020B0604030504040204" pitchFamily="34" charset="-120"/>
+              </a:rPr>
+              <a:t>耶穌比全世界更寶</a:t>
+            </a:r>
+            <a:endParaRPr lang="en-US" altLang="zh-CN" sz="6400" b="1" dirty="0">
+              <a:solidFill>
+                <a:srgbClr val="000066"/>
+              </a:solidFill>
+              <a:latin typeface="Microsoft JhengHei" panose="020B0604030504040204" pitchFamily="34" charset="-120"/>
+              <a:ea typeface="Microsoft JhengHei" panose="020B0604030504040204" pitchFamily="34" charset="-120"/>
+            </a:endParaRPr>
+          </a:p>
+          <a:p>
+            <a:pPr marL="0" indent="0" algn="ctr">
+              <a:buNone/>
+            </a:pPr>
+            <a:r>
+              <a:rPr lang="zh-CN" altLang="en-US" sz="6400" b="1" dirty="0">
+                <a:solidFill>
+                  <a:srgbClr val="000066"/>
+                </a:solidFill>
+                <a:latin typeface="Microsoft JhengHei" panose="020B0604030504040204" pitchFamily="34" charset="-120"/>
+                <a:ea typeface="Microsoft JhengHei" panose="020B0604030504040204" pitchFamily="34" charset="-120"/>
+              </a:rPr>
+              <a:t>急難之時良友</a:t>
+            </a:r>
+            <a:endParaRPr lang="en-US" altLang="zh-CN" sz="6400" b="1" dirty="0">
+              <a:solidFill>
+                <a:srgbClr val="000066"/>
+              </a:solidFill>
+              <a:latin typeface="Microsoft JhengHei" panose="020B0604030504040204" pitchFamily="34" charset="-120"/>
+              <a:ea typeface="Microsoft JhengHei" panose="020B0604030504040204" pitchFamily="34" charset="-120"/>
+            </a:endParaRPr>
+          </a:p>
+        </p:txBody>
+      </p:sp>
+      <p:sp>
+        <p:nvSpPr>
+          <p:cNvPr id="3" name="TextBox 2"/>
+          <p:cNvSpPr txBox="1"/>
+          <p:nvPr/>
+        </p:nvSpPr>
+        <p:spPr>
+          <a:xfrm>
+            <a:off x="0" y="5061183"/>
+            <a:ext cx="12192000" cy="830997"/>
+          </a:xfrm>
+          <a:prstGeom prst="rect">
+            <a:avLst/>
+          </a:prstGeom>
+          <a:noFill/>
+        </p:spPr>
+        <p:txBody>
+          <a:bodyPr wrap="square" rtlCol="0">
+            <a:spAutoFit/>
+          </a:bodyPr>
+          <a:lstStyle/>
+          <a:p>
+            <a:pPr algn="ctr"/>
+            <a:r>
+              <a:rPr lang="en-US" sz="4800" b="1" dirty="0">
+                <a:solidFill>
+                  <a:srgbClr val="000066"/>
+                </a:solidFill>
+              </a:rPr>
+              <a:t>( </a:t>
+            </a:r>
+            <a:r>
+              <a:rPr lang="en-US" sz="4800" b="1" dirty="0">
+                <a:solidFill>
+                  <a:srgbClr val="000066"/>
+                </a:solidFill>
+              </a:rPr>
+              <a:t>2 </a:t>
+            </a:r>
+            <a:r>
+              <a:rPr lang="en-US" sz="4800" b="1" dirty="0">
+                <a:solidFill>
+                  <a:srgbClr val="000066"/>
+                </a:solidFill>
+              </a:rPr>
+              <a:t>)</a:t>
+            </a:r>
+            <a:endParaRPr lang="vi-VN" sz="4800" b="1" dirty="0">
+              <a:solidFill>
+                <a:srgbClr val="000066"/>
+              </a:solidFill>
+            </a:endParaRPr>
+          </a:p>
+        </p:txBody>
+      </p:sp>
+    </p:spTree>
+    <p:extLst>
+      <p:ext uri="{BB962C8B-B14F-4D97-AF65-F5344CB8AC3E}">
+        <p14:creationId xmlns:p14="http://schemas.microsoft.com/office/powerpoint/2010/main" val="1368646182"/>
+      </p:ext>
+    </p:extLst>
+  </p:cSld>
+  <p:clrMapOvr>
+    <a:masterClrMapping/>
+  </p:clrMapOvr>
+  <p:timing>
+    <p:tnLst>
+      <p:par>
+        <p:cTn id="1" dur="indefinite" restart="never" nodeType="tmRoot"/>
+      </p:par>
+    </p:tnLst>
+  </p:timing>
+</p:sld>
+</file>
+
+<file path=ppt/slides/slide7.xml><?xml version="1.0" encoding="utf-8"?>
+<p:sld xmlns:a="http://schemas.openxmlformats.org/drawingml/2006/main" xmlns:r="http://schemas.openxmlformats.org/officeDocument/2006/relationships" xmlns:p="http://schemas.openxmlformats.org/presentationml/2006/main">
+  <p:cSld>
+    <p:spTree>
+      <p:nvGrpSpPr>
+        <p:cNvPr id="1" name=""/>
+        <p:cNvGrpSpPr/>
+        <p:nvPr/>
+      </p:nvGrpSpPr>
+      <p:grpSpPr>
+        <a:xfrm>
+          <a:off x="0" y="0"/>
+          <a:ext cx="0" cy="0"/>
+          <a:chOff x="0" y="0"/>
+          <a:chExt cx="0" cy="0"/>
+        </a:xfrm>
+      </p:grpSpPr>
+      <p:sp>
+        <p:nvSpPr>
+          <p:cNvPr id="5" name="內容版面配置區 4"/>
+          <p:cNvSpPr>
+            <a:spLocks noGrp="1"/>
+          </p:cNvSpPr>
+          <p:nvPr>
+            <p:ph idx="1"/>
+          </p:nvPr>
+        </p:nvSpPr>
+        <p:spPr>
+          <a:xfrm>
+            <a:off x="0" y="2084853"/>
+            <a:ext cx="12192000" cy="2404863"/>
+          </a:xfrm>
+        </p:spPr>
+        <p:txBody>
+          <a:bodyPr anchor="ctr">
+            <a:normAutofit/>
+          </a:bodyPr>
+          <a:lstStyle/>
+          <a:p>
+            <a:pPr marL="0" indent="0" algn="ctr">
+              <a:buNone/>
+            </a:pPr>
+            <a:r>
+              <a:rPr lang="zh-CN" altLang="en-US" sz="6400" b="1" dirty="0">
+                <a:solidFill>
+                  <a:srgbClr val="000066"/>
+                </a:solidFill>
+                <a:latin typeface="Microsoft JhengHei" panose="020B0604030504040204" pitchFamily="34" charset="-120"/>
+                <a:ea typeface="Microsoft JhengHei" panose="020B0604030504040204" pitchFamily="34" charset="-120"/>
+              </a:rPr>
+              <a:t>恩上加恩難以計算</a:t>
+            </a:r>
+            <a:endParaRPr lang="en-US" altLang="zh-CN" sz="6400" b="1" dirty="0">
+              <a:solidFill>
+                <a:srgbClr val="000066"/>
+              </a:solidFill>
+              <a:latin typeface="Microsoft JhengHei" panose="020B0604030504040204" pitchFamily="34" charset="-120"/>
+              <a:ea typeface="Microsoft JhengHei" panose="020B0604030504040204" pitchFamily="34" charset="-120"/>
+            </a:endParaRPr>
+          </a:p>
+          <a:p>
+            <a:pPr marL="0" indent="0" algn="ctr">
+              <a:buNone/>
+            </a:pPr>
+            <a:r>
+              <a:rPr lang="zh-CN" altLang="en-US" sz="6400" b="1" dirty="0">
+                <a:solidFill>
+                  <a:srgbClr val="000066"/>
+                </a:solidFill>
+                <a:latin typeface="Microsoft JhengHei" panose="020B0604030504040204" pitchFamily="34" charset="-120"/>
+                <a:ea typeface="Microsoft JhengHei" panose="020B0604030504040204" pitchFamily="34" charset="-120"/>
+              </a:rPr>
+              <a:t>因我向主祈求</a:t>
+            </a:r>
+            <a:endParaRPr lang="en-US" altLang="zh-CN" sz="6400" b="1" dirty="0">
+              <a:solidFill>
+                <a:srgbClr val="000066"/>
+              </a:solidFill>
+              <a:latin typeface="Microsoft JhengHei" panose="020B0604030504040204" pitchFamily="34" charset="-120"/>
+              <a:ea typeface="Microsoft JhengHei" panose="020B0604030504040204" pitchFamily="34" charset="-120"/>
+            </a:endParaRPr>
+          </a:p>
+        </p:txBody>
+      </p:sp>
+      <p:sp>
+        <p:nvSpPr>
+          <p:cNvPr id="3" name="TextBox 2"/>
+          <p:cNvSpPr txBox="1"/>
+          <p:nvPr/>
+        </p:nvSpPr>
+        <p:spPr>
+          <a:xfrm>
+            <a:off x="0" y="5061183"/>
+            <a:ext cx="12192000" cy="830997"/>
+          </a:xfrm>
+          <a:prstGeom prst="rect">
+            <a:avLst/>
+          </a:prstGeom>
+          <a:noFill/>
+        </p:spPr>
+        <p:txBody>
+          <a:bodyPr wrap="square" rtlCol="0">
+            <a:spAutoFit/>
+          </a:bodyPr>
+          <a:lstStyle/>
+          <a:p>
+            <a:pPr algn="ctr"/>
+            <a:r>
+              <a:rPr lang="en-US" sz="4800" b="1" dirty="0">
+                <a:solidFill>
+                  <a:srgbClr val="000066"/>
+                </a:solidFill>
+              </a:rPr>
+              <a:t>( </a:t>
+            </a:r>
+            <a:r>
+              <a:rPr lang="en-US" sz="4800" b="1" dirty="0">
+                <a:solidFill>
+                  <a:srgbClr val="000066"/>
+                </a:solidFill>
+              </a:rPr>
+              <a:t>2 </a:t>
+            </a:r>
+            <a:r>
+              <a:rPr lang="en-US" sz="4800" b="1" dirty="0">
+                <a:solidFill>
+                  <a:srgbClr val="000066"/>
+                </a:solidFill>
+              </a:rPr>
+              <a:t>)</a:t>
+            </a:r>
+            <a:endParaRPr lang="vi-VN" sz="4800" b="1" dirty="0">
+              <a:solidFill>
+                <a:srgbClr val="000066"/>
+              </a:solidFill>
+            </a:endParaRPr>
+          </a:p>
+        </p:txBody>
+      </p:sp>
+    </p:spTree>
+    <p:extLst>
+      <p:ext uri="{BB962C8B-B14F-4D97-AF65-F5344CB8AC3E}">
+        <p14:creationId xmlns:p14="http://schemas.microsoft.com/office/powerpoint/2010/main" val="809217197"/>
+      </p:ext>
+    </p:extLst>
+  </p:cSld>
+  <p:clrMapOvr>
+    <a:masterClrMapping/>
+  </p:clrMapOvr>
+  <p:timing>
+    <p:tnLst>
+      <p:par>
+        <p:cTn id="1" dur="indefinite" restart="never" nodeType="tmRoot"/>
+      </p:par>
+    </p:tnLst>
+  </p:timing>
+</p:sld>
+</file>
+
+<file path=ppt/slides/slide8.xml><?xml version="1.0" encoding="utf-8"?>
+<p:sld xmlns:a="http://schemas.openxmlformats.org/drawingml/2006/main" xmlns:r="http://schemas.openxmlformats.org/officeDocument/2006/relationships" xmlns:p="http://schemas.openxmlformats.org/presentationml/2006/main">
+  <p:cSld>
+    <p:spTree>
+      <p:nvGrpSpPr>
+        <p:cNvPr id="1" name=""/>
+        <p:cNvGrpSpPr/>
+        <p:nvPr/>
+      </p:nvGrpSpPr>
+      <p:grpSpPr>
+        <a:xfrm>
+          <a:off x="0" y="0"/>
+          <a:ext cx="0" cy="0"/>
+          <a:chOff x="0" y="0"/>
+          <a:chExt cx="0" cy="0"/>
+        </a:xfrm>
+      </p:grpSpPr>
+      <p:sp>
+        <p:nvSpPr>
+          <p:cNvPr id="5" name="內容版面配置區 4"/>
+          <p:cNvSpPr>
+            <a:spLocks noGrp="1"/>
+          </p:cNvSpPr>
+          <p:nvPr>
+            <p:ph idx="1"/>
+          </p:nvPr>
+        </p:nvSpPr>
+        <p:spPr>
+          <a:xfrm>
+            <a:off x="0" y="2084853"/>
+            <a:ext cx="12192000" cy="2404863"/>
+          </a:xfrm>
+        </p:spPr>
+        <p:txBody>
+          <a:bodyPr anchor="ctr">
+            <a:normAutofit/>
+          </a:bodyPr>
+          <a:lstStyle/>
+          <a:p>
+            <a:pPr marL="0" indent="0" algn="ctr">
+              <a:buNone/>
+            </a:pPr>
+            <a:r>
+              <a:rPr lang="zh-CN" altLang="en-US" sz="6400" b="1" dirty="0">
+                <a:solidFill>
+                  <a:srgbClr val="000066"/>
+                </a:solidFill>
+                <a:latin typeface="Microsoft JhengHei" panose="020B0604030504040204" pitchFamily="34" charset="-120"/>
+                <a:ea typeface="Microsoft JhengHei" panose="020B0604030504040204" pitchFamily="34" charset="-120"/>
+              </a:rPr>
+              <a:t>主賜日光又施甘霖</a:t>
+            </a:r>
+            <a:endParaRPr lang="en-US" altLang="zh-CN" sz="6400" b="1" dirty="0">
+              <a:solidFill>
+                <a:srgbClr val="000066"/>
+              </a:solidFill>
+              <a:latin typeface="Microsoft JhengHei" panose="020B0604030504040204" pitchFamily="34" charset="-120"/>
+              <a:ea typeface="Microsoft JhengHei" panose="020B0604030504040204" pitchFamily="34" charset="-120"/>
+            </a:endParaRPr>
+          </a:p>
+          <a:p>
+            <a:pPr marL="0" indent="0" algn="ctr">
+              <a:buNone/>
+            </a:pPr>
+            <a:r>
+              <a:rPr lang="zh-CN" altLang="en-US" sz="6400" b="1" dirty="0">
+                <a:solidFill>
+                  <a:srgbClr val="000066"/>
+                </a:solidFill>
+                <a:ea typeface="Microsoft JhengHei" panose="020B0604030504040204" pitchFamily="34" charset="-120"/>
+              </a:rPr>
+              <a:t>主使禾田金穀豐盈</a:t>
+            </a:r>
+            <a:endParaRPr lang="en-US" altLang="zh-CN" sz="6400" b="1" dirty="0">
+              <a:solidFill>
+                <a:srgbClr val="000066"/>
+              </a:solidFill>
+              <a:ea typeface="Microsoft JhengHei" panose="020B0604030504040204" pitchFamily="34" charset="-120"/>
+            </a:endParaRPr>
+          </a:p>
+        </p:txBody>
+      </p:sp>
+      <p:sp>
+        <p:nvSpPr>
+          <p:cNvPr id="3" name="TextBox 2"/>
+          <p:cNvSpPr txBox="1"/>
+          <p:nvPr/>
+        </p:nvSpPr>
+        <p:spPr>
+          <a:xfrm>
+            <a:off x="0" y="5061183"/>
+            <a:ext cx="12192000" cy="830997"/>
+          </a:xfrm>
+          <a:prstGeom prst="rect">
+            <a:avLst/>
+          </a:prstGeom>
+          <a:noFill/>
+        </p:spPr>
+        <p:txBody>
+          <a:bodyPr wrap="square" rtlCol="0">
+            <a:spAutoFit/>
+          </a:bodyPr>
+          <a:lstStyle/>
+          <a:p>
+            <a:pPr algn="ctr"/>
+            <a:r>
+              <a:rPr lang="en-US" sz="4800" b="1" dirty="0">
+                <a:solidFill>
+                  <a:srgbClr val="000066"/>
+                </a:solidFill>
+              </a:rPr>
+              <a:t>( </a:t>
+            </a:r>
+            <a:r>
+              <a:rPr lang="en-US" sz="4800" b="1" dirty="0">
+                <a:solidFill>
+                  <a:srgbClr val="000066"/>
+                </a:solidFill>
+              </a:rPr>
+              <a:t>2 </a:t>
+            </a:r>
+            <a:r>
+              <a:rPr lang="en-US" sz="4800" b="1" dirty="0">
+                <a:solidFill>
+                  <a:srgbClr val="000066"/>
+                </a:solidFill>
+              </a:rPr>
+              <a:t>)</a:t>
+            </a:r>
+            <a:endParaRPr lang="vi-VN" sz="4800" b="1" dirty="0">
+              <a:solidFill>
+                <a:srgbClr val="000066"/>
+              </a:solidFill>
+            </a:endParaRPr>
+          </a:p>
+        </p:txBody>
+      </p:sp>
+    </p:spTree>
+    <p:extLst>
+      <p:ext uri="{BB962C8B-B14F-4D97-AF65-F5344CB8AC3E}">
+        <p14:creationId xmlns:p14="http://schemas.microsoft.com/office/powerpoint/2010/main" val="4120921221"/>
+      </p:ext>
+    </p:extLst>
+  </p:cSld>
+  <p:clrMapOvr>
+    <a:masterClrMapping/>
+  </p:clrMapOvr>
+  <p:timing>
+    <p:tnLst>
+      <p:par>
+        <p:cTn id="1" dur="indefinite" restart="never" nodeType="tmRoot"/>
+      </p:par>
+    </p:tnLst>
+  </p:timing>
+</p:sld>
+</file>
+
+<file path=ppt/slides/slide9.xml><?xml version="1.0" encoding="utf-8"?>
+<p:sld xmlns:a="http://schemas.openxmlformats.org/drawingml/2006/main" xmlns:r="http://schemas.openxmlformats.org/officeDocument/2006/relationships" xmlns:p="http://schemas.openxmlformats.org/presentationml/2006/main">
+  <p:cSld>
+    <p:spTree>
+      <p:nvGrpSpPr>
+        <p:cNvPr id="1" name=""/>
+        <p:cNvGrpSpPr/>
+        <p:nvPr/>
+      </p:nvGrpSpPr>
+      <p:grpSpPr>
+        <a:xfrm>
+          <a:off x="0" y="0"/>
+          <a:ext cx="0" cy="0"/>
+          <a:chOff x="0" y="0"/>
+          <a:chExt cx="0" cy="0"/>
+        </a:xfrm>
+      </p:grpSpPr>
+      <p:sp>
+        <p:nvSpPr>
+          <p:cNvPr id="5" name="內容版面配置區 4"/>
+          <p:cNvSpPr>
+            <a:spLocks noGrp="1"/>
+          </p:cNvSpPr>
+          <p:nvPr>
+            <p:ph idx="1"/>
+          </p:nvPr>
+        </p:nvSpPr>
+        <p:spPr>
+          <a:xfrm>
+            <a:off x="0" y="2084853"/>
+            <a:ext cx="12192000" cy="2404863"/>
+          </a:xfrm>
+        </p:spPr>
+        <p:txBody>
+          <a:bodyPr anchor="ctr">
+            <a:normAutofit/>
+          </a:bodyPr>
+          <a:lstStyle/>
+          <a:p>
+            <a:pPr marL="0" indent="0" algn="ctr">
+              <a:buNone/>
+            </a:pPr>
+            <a:r>
+              <a:rPr lang="zh-CN" altLang="en-US" sz="6400" b="1" dirty="0">
+                <a:solidFill>
+                  <a:srgbClr val="000066"/>
+                </a:solidFill>
+                <a:ea typeface="Microsoft JhengHei" panose="020B0604030504040204" pitchFamily="34" charset="-120"/>
+              </a:rPr>
+              <a:t>日光甘霖  大好收成</a:t>
+            </a:r>
+            <a:endParaRPr lang="en-US" altLang="zh-CN" sz="6400" b="1" dirty="0">
+              <a:solidFill>
+                <a:srgbClr val="000066"/>
+              </a:solidFill>
+              <a:ea typeface="Microsoft JhengHei" panose="020B0604030504040204" pitchFamily="34" charset="-120"/>
+            </a:endParaRPr>
+          </a:p>
+          <a:p>
+            <a:pPr marL="0" indent="0" algn="ctr">
+              <a:buNone/>
+            </a:pPr>
+            <a:r>
+              <a:rPr lang="zh-CN" altLang="en-US" sz="6400" b="1" dirty="0">
+                <a:solidFill>
+                  <a:srgbClr val="000066"/>
+                </a:solidFill>
+                <a:ea typeface="Microsoft JhengHei" panose="020B0604030504040204" pitchFamily="34" charset="-120"/>
+              </a:rPr>
+              <a:t>主是我友</a:t>
+            </a:r>
+            <a:endParaRPr lang="vi-VN" sz="6400" b="1" dirty="0">
+              <a:solidFill>
+                <a:srgbClr val="000066"/>
+              </a:solidFill>
+              <a:ea typeface="Microsoft JhengHei" panose="020B0604030504040204" pitchFamily="34" charset="-120"/>
+            </a:endParaRPr>
+          </a:p>
+        </p:txBody>
+      </p:sp>
+      <p:sp>
+        <p:nvSpPr>
+          <p:cNvPr id="3" name="TextBox 2"/>
+          <p:cNvSpPr txBox="1"/>
+          <p:nvPr/>
+        </p:nvSpPr>
+        <p:spPr>
+          <a:xfrm>
+            <a:off x="0" y="5061183"/>
+            <a:ext cx="12192000" cy="830997"/>
+          </a:xfrm>
+          <a:prstGeom prst="rect">
+            <a:avLst/>
+          </a:prstGeom>
+          <a:noFill/>
+        </p:spPr>
+        <p:txBody>
+          <a:bodyPr wrap="square" rtlCol="0">
+            <a:spAutoFit/>
+          </a:bodyPr>
+          <a:lstStyle/>
+          <a:p>
+            <a:pPr algn="ctr"/>
+            <a:r>
+              <a:rPr lang="en-US" sz="4800" b="1" dirty="0">
+                <a:solidFill>
+                  <a:srgbClr val="000066"/>
+                </a:solidFill>
+              </a:rPr>
+              <a:t>( </a:t>
+            </a:r>
+            <a:r>
+              <a:rPr lang="en-US" sz="4800" b="1" dirty="0">
+                <a:solidFill>
+                  <a:srgbClr val="000066"/>
+                </a:solidFill>
+              </a:rPr>
+              <a:t>2 </a:t>
+            </a:r>
+            <a:r>
+              <a:rPr lang="en-US" sz="4800" b="1" dirty="0">
+                <a:solidFill>
+                  <a:srgbClr val="000066"/>
+                </a:solidFill>
+              </a:rPr>
+              <a:t>)</a:t>
+            </a:r>
+            <a:endParaRPr lang="vi-VN" sz="4800" b="1" dirty="0">
+              <a:solidFill>
+                <a:srgbClr val="000066"/>
+              </a:solidFill>
+            </a:endParaRPr>
+          </a:p>
+        </p:txBody>
+      </p:sp>
+    </p:spTree>
+    <p:extLst>
+      <p:ext uri="{BB962C8B-B14F-4D97-AF65-F5344CB8AC3E}">
+        <p14:creationId xmlns:p14="http://schemas.microsoft.com/office/powerpoint/2010/main" val="913908880"/>
+      </p:ext>
+    </p:extLst>
+  </p:cSld>
+  <p:clrMapOvr>
+    <a:masterClrMapping/>
+  </p:clrMapOvr>
+  <p:timing>
+    <p:tnLst>
+      <p:par>
+        <p:cTn id="1" dur="indefinite" restart="never" nodeType="tmRoot"/>
+      </p:par>
+    </p:tnLst>
+  </p:timing>
 </p:sld>
 </file>
 
